--- a/GDD/컨셉/컨셉.pptx
+++ b/GDD/컨셉/컨셉.pptx
@@ -5,35 +5,42 @@
     <p:sldMasterId id="2147483648" r:id="rId1"/>
   </p:sldMasterIdLst>
   <p:notesMasterIdLst>
-    <p:notesMasterId r:id="rId8"/>
+    <p:notesMasterId r:id="rId12"/>
   </p:notesMasterIdLst>
+  <p:handoutMasterIdLst>
+    <p:handoutMasterId r:id="rId13"/>
+  </p:handoutMasterIdLst>
   <p:sldIdLst>
     <p:sldId id="398" r:id="rId2"/>
-    <p:sldId id="305" r:id="rId3"/>
-    <p:sldId id="456" r:id="rId4"/>
-    <p:sldId id="483" r:id="rId5"/>
-    <p:sldId id="482" r:id="rId6"/>
-    <p:sldId id="425" r:id="rId7"/>
+    <p:sldId id="487" r:id="rId3"/>
+    <p:sldId id="305" r:id="rId4"/>
+    <p:sldId id="486" r:id="rId5"/>
+    <p:sldId id="494" r:id="rId6"/>
+    <p:sldId id="488" r:id="rId7"/>
+    <p:sldId id="492" r:id="rId8"/>
+    <p:sldId id="490" r:id="rId9"/>
+    <p:sldId id="493" r:id="rId10"/>
+    <p:sldId id="425" r:id="rId11"/>
   </p:sldIdLst>
   <p:sldSz cx="9144000" cy="6858000" type="screen4x3"/>
   <p:notesSz cx="6797675" cy="9926638"/>
   <p:embeddedFontLst>
     <p:embeddedFont>
       <p:font typeface="나눔명조" panose="020B0600000101010101" charset="-127"/>
-      <p:regular r:id="rId9"/>
-      <p:bold r:id="rId10"/>
+      <p:regular r:id="rId14"/>
+      <p:bold r:id="rId15"/>
     </p:embeddedFont>
     <p:embeddedFont>
       <p:font typeface="PT Sans" panose="020B0503020203020204" pitchFamily="34" charset="0"/>
-      <p:regular r:id="rId11"/>
-      <p:bold r:id="rId12"/>
-      <p:italic r:id="rId13"/>
-      <p:boldItalic r:id="rId14"/>
+      <p:regular r:id="rId16"/>
+      <p:bold r:id="rId17"/>
+      <p:italic r:id="rId18"/>
+      <p:boldItalic r:id="rId19"/>
     </p:embeddedFont>
     <p:embeddedFont>
       <p:font typeface="맑은 고딕" panose="020B0503020000020004" pitchFamily="50" charset="-127"/>
-      <p:regular r:id="rId15"/>
-      <p:bold r:id="rId16"/>
+      <p:regular r:id="rId20"/>
+      <p:bold r:id="rId21"/>
     </p:embeddedFont>
   </p:embeddedFontLst>
   <p:defaultTextStyle>
@@ -162,6 +169,195 @@
     </p:ext>
   </p:extLst>
 </p:presentation>
+</file>
+
+<file path=ppt/handoutMasters/handoutMaster1.xml><?xml version="1.0" encoding="utf-8"?>
+<p:handoutMaster xmlns:a="http://schemas.openxmlformats.org/drawingml/2006/main" xmlns:r="http://schemas.openxmlformats.org/officeDocument/2006/relationships" xmlns:p="http://schemas.openxmlformats.org/presentationml/2006/main">
+  <p:cSld>
+    <p:bg>
+      <p:bgRef idx="1001">
+        <a:schemeClr val="bg1"/>
+      </p:bgRef>
+    </p:bg>
+    <p:spTree>
+      <p:nvGrpSpPr>
+        <p:cNvPr id="1" name=""/>
+        <p:cNvGrpSpPr/>
+        <p:nvPr/>
+      </p:nvGrpSpPr>
+      <p:grpSpPr>
+        <a:xfrm>
+          <a:off x="0" y="0"/>
+          <a:ext cx="0" cy="0"/>
+          <a:chOff x="0" y="0"/>
+          <a:chExt cx="0" cy="0"/>
+        </a:xfrm>
+      </p:grpSpPr>
+      <p:sp>
+        <p:nvSpPr>
+          <p:cNvPr id="2" name="머리글 개체 틀 1">
+            <a:extLst>
+              <a:ext uri="{FF2B5EF4-FFF2-40B4-BE49-F238E27FC236}">
+                <a16:creationId xmlns:a16="http://schemas.microsoft.com/office/drawing/2014/main" id="{EE65FBF2-E343-483E-E877-BF0ED2B2AF9F}"/>
+              </a:ext>
+            </a:extLst>
+          </p:cNvPr>
+          <p:cNvSpPr>
+            <a:spLocks noGrp="1"/>
+          </p:cNvSpPr>
+          <p:nvPr>
+            <p:ph type="hdr" sz="quarter"/>
+          </p:nvPr>
+        </p:nvSpPr>
+        <p:spPr>
+          <a:xfrm>
+            <a:off x="0" y="0"/>
+            <a:ext cx="2946400" cy="496888"/>
+          </a:xfrm>
+          <a:prstGeom prst="rect">
+            <a:avLst/>
+          </a:prstGeom>
+        </p:spPr>
+        <p:txBody>
+          <a:bodyPr vert="horz" lIns="91440" tIns="45720" rIns="91440" bIns="45720" rtlCol="0"/>
+          <a:lstStyle>
+            <a:lvl1pPr algn="l">
+              <a:defRPr sz="1200"/>
+            </a:lvl1pPr>
+          </a:lstStyle>
+          <a:p>
+            <a:endParaRPr lang="ko-KR" altLang="en-US"/>
+          </a:p>
+        </p:txBody>
+      </p:sp>
+      <p:sp>
+        <p:nvSpPr>
+          <p:cNvPr id="3" name="날짜 개체 틀 2">
+            <a:extLst>
+              <a:ext uri="{FF2B5EF4-FFF2-40B4-BE49-F238E27FC236}">
+                <a16:creationId xmlns:a16="http://schemas.microsoft.com/office/drawing/2014/main" id="{8A13EDE4-3C10-AF92-095B-A314A0465E87}"/>
+              </a:ext>
+            </a:extLst>
+          </p:cNvPr>
+          <p:cNvSpPr>
+            <a:spLocks noGrp="1"/>
+          </p:cNvSpPr>
+          <p:nvPr>
+            <p:ph type="dt" sz="quarter" idx="1"/>
+          </p:nvPr>
+        </p:nvSpPr>
+        <p:spPr>
+          <a:xfrm>
+            <a:off x="3849688" y="0"/>
+            <a:ext cx="2946400" cy="496888"/>
+          </a:xfrm>
+          <a:prstGeom prst="rect">
+            <a:avLst/>
+          </a:prstGeom>
+        </p:spPr>
+        <p:txBody>
+          <a:bodyPr vert="horz" lIns="91440" tIns="45720" rIns="91440" bIns="45720" rtlCol="0"/>
+          <a:lstStyle>
+            <a:lvl1pPr algn="r">
+              <a:defRPr sz="1200"/>
+            </a:lvl1pPr>
+          </a:lstStyle>
+          <a:p>
+            <a:fld id="{A731E5E7-679C-40D9-9431-A4B8AA75572A}" type="datetimeFigureOut">
+              <a:rPr lang="ko-KR" altLang="en-US" smtClean="0"/>
+              <a:t>2022-09-17</a:t>
+            </a:fld>
+            <a:endParaRPr lang="ko-KR" altLang="en-US"/>
+          </a:p>
+        </p:txBody>
+      </p:sp>
+      <p:sp>
+        <p:nvSpPr>
+          <p:cNvPr id="4" name="바닥글 개체 틀 3">
+            <a:extLst>
+              <a:ext uri="{FF2B5EF4-FFF2-40B4-BE49-F238E27FC236}">
+                <a16:creationId xmlns:a16="http://schemas.microsoft.com/office/drawing/2014/main" id="{CF8AB0A3-B30C-5892-4905-94B582653AFA}"/>
+              </a:ext>
+            </a:extLst>
+          </p:cNvPr>
+          <p:cNvSpPr>
+            <a:spLocks noGrp="1"/>
+          </p:cNvSpPr>
+          <p:nvPr>
+            <p:ph type="ftr" sz="quarter" idx="2"/>
+          </p:nvPr>
+        </p:nvSpPr>
+        <p:spPr>
+          <a:xfrm>
+            <a:off x="0" y="9429750"/>
+            <a:ext cx="2946400" cy="496888"/>
+          </a:xfrm>
+          <a:prstGeom prst="rect">
+            <a:avLst/>
+          </a:prstGeom>
+        </p:spPr>
+        <p:txBody>
+          <a:bodyPr vert="horz" lIns="91440" tIns="45720" rIns="91440" bIns="45720" rtlCol="0" anchor="b"/>
+          <a:lstStyle>
+            <a:lvl1pPr algn="l">
+              <a:defRPr sz="1200"/>
+            </a:lvl1pPr>
+          </a:lstStyle>
+          <a:p>
+            <a:endParaRPr lang="ko-KR" altLang="en-US"/>
+          </a:p>
+        </p:txBody>
+      </p:sp>
+      <p:sp>
+        <p:nvSpPr>
+          <p:cNvPr id="5" name="슬라이드 번호 개체 틀 4">
+            <a:extLst>
+              <a:ext uri="{FF2B5EF4-FFF2-40B4-BE49-F238E27FC236}">
+                <a16:creationId xmlns:a16="http://schemas.microsoft.com/office/drawing/2014/main" id="{846742E0-FD69-DCF4-0747-47AEF7434006}"/>
+              </a:ext>
+            </a:extLst>
+          </p:cNvPr>
+          <p:cNvSpPr>
+            <a:spLocks noGrp="1"/>
+          </p:cNvSpPr>
+          <p:nvPr>
+            <p:ph type="sldNum" sz="quarter" idx="3"/>
+          </p:nvPr>
+        </p:nvSpPr>
+        <p:spPr>
+          <a:xfrm>
+            <a:off x="3849688" y="9429750"/>
+            <a:ext cx="2946400" cy="496888"/>
+          </a:xfrm>
+          <a:prstGeom prst="rect">
+            <a:avLst/>
+          </a:prstGeom>
+        </p:spPr>
+        <p:txBody>
+          <a:bodyPr vert="horz" lIns="91440" tIns="45720" rIns="91440" bIns="45720" rtlCol="0" anchor="b"/>
+          <a:lstStyle>
+            <a:lvl1pPr algn="r">
+              <a:defRPr sz="1200"/>
+            </a:lvl1pPr>
+          </a:lstStyle>
+          <a:p>
+            <a:fld id="{8B4D4136-5933-4A62-9F3C-B48518344B26}" type="slidenum">
+              <a:rPr lang="ko-KR" altLang="en-US" smtClean="0"/>
+              <a:t>‹#›</a:t>
+            </a:fld>
+            <a:endParaRPr lang="ko-KR" altLang="en-US"/>
+          </a:p>
+        </p:txBody>
+      </p:sp>
+    </p:spTree>
+    <p:extLst>
+      <p:ext uri="{BB962C8B-B14F-4D97-AF65-F5344CB8AC3E}">
+        <p14:creationId xmlns:p14="http://schemas.microsoft.com/office/powerpoint/2010/main" val="2309522161"/>
+      </p:ext>
+    </p:extLst>
+  </p:cSld>
+  <p:clrMap bg1="lt1" tx1="dk1" bg2="lt2" tx2="dk2" accent1="accent1" accent2="accent2" accent3="accent3" accent4="accent4" accent5="accent5" accent6="accent6" hlink="hlink" folHlink="folHlink"/>
+</p:handoutMaster>
 </file>
 
 <file path=ppt/notesMasters/notesMaster1.xml><?xml version="1.0" encoding="utf-8"?>
@@ -664,11 +860,6 @@
           <a:bodyPr/>
           <a:lstStyle/>
           <a:p>
-            <a:fld id="{3A302466-FE76-40E8-BE5D-598A609EDD2B}" type="datetimeFigureOut">
-              <a:rPr lang="ko-KR" altLang="en-US" smtClean="0"/>
-              <a:pPr/>
-              <a:t>2022-09-11</a:t>
-            </a:fld>
             <a:endParaRPr lang="ko-KR" altLang="en-US"/>
           </a:p>
         </p:txBody>
@@ -1166,6 +1357,175 @@
           </a:p>
         </p:txBody>
       </p:sp>
+      <p:sp>
+        <p:nvSpPr>
+          <p:cNvPr id="2" name="내용 개체 틀 2">
+            <a:extLst>
+              <a:ext uri="{FF2B5EF4-FFF2-40B4-BE49-F238E27FC236}">
+                <a16:creationId xmlns:a16="http://schemas.microsoft.com/office/drawing/2014/main" id="{3A03DE91-2C06-80FC-6A5D-10C48971E64B}"/>
+              </a:ext>
+            </a:extLst>
+          </p:cNvPr>
+          <p:cNvSpPr>
+            <a:spLocks noGrp="1"/>
+          </p:cNvSpPr>
+          <p:nvPr>
+            <p:ph idx="1"/>
+          </p:nvPr>
+        </p:nvSpPr>
+        <p:spPr>
+          <a:xfrm>
+            <a:off x="323528" y="1600200"/>
+            <a:ext cx="8229600" cy="4525963"/>
+          </a:xfrm>
+        </p:spPr>
+        <p:txBody>
+          <a:bodyPr/>
+          <a:lstStyle>
+            <a:lvl1pPr>
+              <a:defRPr>
+                <a:solidFill>
+                  <a:schemeClr val="bg1"/>
+                </a:solidFill>
+                <a:latin typeface="맑은 고딕" pitchFamily="50" charset="-127"/>
+                <a:ea typeface="맑은 고딕" pitchFamily="50" charset="-127"/>
+              </a:defRPr>
+            </a:lvl1pPr>
+            <a:lvl2pPr>
+              <a:defRPr>
+                <a:solidFill>
+                  <a:schemeClr val="bg1"/>
+                </a:solidFill>
+                <a:latin typeface="맑은 고딕" pitchFamily="50" charset="-127"/>
+                <a:ea typeface="맑은 고딕" pitchFamily="50" charset="-127"/>
+              </a:defRPr>
+            </a:lvl2pPr>
+            <a:lvl3pPr>
+              <a:defRPr>
+                <a:solidFill>
+                  <a:schemeClr val="bg1"/>
+                </a:solidFill>
+                <a:latin typeface="맑은 고딕" pitchFamily="50" charset="-127"/>
+                <a:ea typeface="맑은 고딕" pitchFamily="50" charset="-127"/>
+              </a:defRPr>
+            </a:lvl3pPr>
+            <a:lvl4pPr>
+              <a:defRPr>
+                <a:solidFill>
+                  <a:schemeClr val="bg1"/>
+                </a:solidFill>
+                <a:latin typeface="맑은 고딕" pitchFamily="50" charset="-127"/>
+                <a:ea typeface="맑은 고딕" pitchFamily="50" charset="-127"/>
+              </a:defRPr>
+            </a:lvl4pPr>
+            <a:lvl5pPr>
+              <a:defRPr>
+                <a:solidFill>
+                  <a:schemeClr val="bg1"/>
+                </a:solidFill>
+                <a:latin typeface="맑은 고딕" pitchFamily="50" charset="-127"/>
+                <a:ea typeface="맑은 고딕" pitchFamily="50" charset="-127"/>
+              </a:defRPr>
+            </a:lvl5pPr>
+          </a:lstStyle>
+          <a:p>
+            <a:pPr lvl="0"/>
+            <a:r>
+              <a:rPr lang="ko-KR" altLang="en-US" dirty="0"/>
+              <a:t>마스터 텍스트 스타일을 편집합니다</a:t>
+            </a:r>
+          </a:p>
+          <a:p>
+            <a:pPr lvl="1"/>
+            <a:r>
+              <a:rPr lang="ko-KR" altLang="en-US" dirty="0"/>
+              <a:t>둘째 수준</a:t>
+            </a:r>
+          </a:p>
+          <a:p>
+            <a:pPr lvl="2"/>
+            <a:r>
+              <a:rPr lang="ko-KR" altLang="en-US" dirty="0"/>
+              <a:t>셋째 수준</a:t>
+            </a:r>
+          </a:p>
+          <a:p>
+            <a:pPr lvl="3"/>
+            <a:r>
+              <a:rPr lang="ko-KR" altLang="en-US" dirty="0"/>
+              <a:t>넷째 수준</a:t>
+            </a:r>
+          </a:p>
+          <a:p>
+            <a:pPr lvl="4"/>
+            <a:r>
+              <a:rPr lang="ko-KR" altLang="en-US" dirty="0"/>
+              <a:t>다섯째 수준</a:t>
+            </a:r>
+          </a:p>
+        </p:txBody>
+      </p:sp>
+      <p:sp>
+        <p:nvSpPr>
+          <p:cNvPr id="8" name="직사각형 7">
+            <a:extLst>
+              <a:ext uri="{FF2B5EF4-FFF2-40B4-BE49-F238E27FC236}">
+                <a16:creationId xmlns:a16="http://schemas.microsoft.com/office/drawing/2014/main" id="{30A01867-7664-2782-33F0-C67AE3F592DE}"/>
+              </a:ext>
+            </a:extLst>
+          </p:cNvPr>
+          <p:cNvSpPr/>
+          <p:nvPr userDrawn="1"/>
+        </p:nvSpPr>
+        <p:spPr>
+          <a:xfrm>
+            <a:off x="7092280" y="6466884"/>
+            <a:ext cx="1944216" cy="365125"/>
+          </a:xfrm>
+          <a:prstGeom prst="rect">
+            <a:avLst/>
+          </a:prstGeom>
+          <a:noFill/>
+          <a:ln>
+            <a:noFill/>
+          </a:ln>
+        </p:spPr>
+        <p:style>
+          <a:lnRef idx="2">
+            <a:schemeClr val="dk1"/>
+          </a:lnRef>
+          <a:fillRef idx="1">
+            <a:schemeClr val="lt1"/>
+          </a:fillRef>
+          <a:effectRef idx="0">
+            <a:schemeClr val="dk1"/>
+          </a:effectRef>
+          <a:fontRef idx="minor">
+            <a:schemeClr val="dk1"/>
+          </a:fontRef>
+        </p:style>
+        <p:txBody>
+          <a:bodyPr rtlCol="0" anchor="ctr"/>
+          <a:lstStyle/>
+          <a:p>
+            <a:pPr algn="r"/>
+            <a:fld id="{72CEB9E3-907B-4C9E-8669-48B8CFAF986F}" type="slidenum">
+              <a:rPr lang="ko-KR" altLang="en-US" smtClean="0">
+                <a:solidFill>
+                  <a:schemeClr val="bg1"/>
+                </a:solidFill>
+              </a:rPr>
+              <a:pPr algn="r"/>
+              <a:t>‹#›</a:t>
+            </a:fld>
+            <a:endParaRPr lang="ko-KR" altLang="en-US" dirty="0">
+              <a:solidFill>
+                <a:schemeClr val="bg1"/>
+              </a:solidFill>
+            </a:endParaRPr>
+          </a:p>
+        </p:txBody>
+      </p:sp>
     </p:spTree>
     <p:extLst>
       <p:ext uri="{BB962C8B-B14F-4D97-AF65-F5344CB8AC3E}">
@@ -2319,6 +2679,67 @@
           </a:fontRef>
         </p:style>
       </p:cxnSp>
+      <p:sp>
+        <p:nvSpPr>
+          <p:cNvPr id="3" name="직사각형 2">
+            <a:extLst>
+              <a:ext uri="{FF2B5EF4-FFF2-40B4-BE49-F238E27FC236}">
+                <a16:creationId xmlns:a16="http://schemas.microsoft.com/office/drawing/2014/main" id="{DAE617C8-9224-F83D-8937-B98EC64ACD34}"/>
+              </a:ext>
+            </a:extLst>
+          </p:cNvPr>
+          <p:cNvSpPr/>
+          <p:nvPr userDrawn="1"/>
+        </p:nvSpPr>
+        <p:spPr>
+          <a:xfrm>
+            <a:off x="7092280" y="6466884"/>
+            <a:ext cx="1944216" cy="365125"/>
+          </a:xfrm>
+          <a:prstGeom prst="rect">
+            <a:avLst/>
+          </a:prstGeom>
+          <a:noFill/>
+          <a:ln>
+            <a:noFill/>
+          </a:ln>
+        </p:spPr>
+        <p:style>
+          <a:lnRef idx="2">
+            <a:schemeClr val="dk1"/>
+          </a:lnRef>
+          <a:fillRef idx="1">
+            <a:schemeClr val="lt1"/>
+          </a:fillRef>
+          <a:effectRef idx="0">
+            <a:schemeClr val="dk1"/>
+          </a:effectRef>
+          <a:fontRef idx="minor">
+            <a:schemeClr val="dk1"/>
+          </a:fontRef>
+        </p:style>
+        <p:txBody>
+          <a:bodyPr rtlCol="0" anchor="ctr"/>
+          <a:lstStyle/>
+          <a:p>
+            <a:pPr algn="r"/>
+            <a:fld id="{72CEB9E3-907B-4C9E-8669-48B8CFAF986F}" type="slidenum">
+              <a:rPr lang="ko-KR" altLang="en-US" smtClean="0">
+                <a:solidFill>
+                  <a:schemeClr val="bg1"/>
+                </a:solidFill>
+              </a:rPr>
+              <a:pPr algn="r"/>
+              <a:t>‹#›</a:t>
+            </a:fld>
+            <a:endParaRPr lang="ko-KR" altLang="en-US" dirty="0">
+              <a:solidFill>
+                <a:schemeClr val="bg1"/>
+              </a:solidFill>
+            </a:endParaRPr>
+          </a:p>
+        </p:txBody>
+      </p:sp>
     </p:spTree>
     <p:extLst>
       <p:ext uri="{BB962C8B-B14F-4D97-AF65-F5344CB8AC3E}">
@@ -2634,6 +3055,67 @@
           </a:p>
         </p:txBody>
       </p:sp>
+      <p:sp>
+        <p:nvSpPr>
+          <p:cNvPr id="3" name="직사각형 2">
+            <a:extLst>
+              <a:ext uri="{FF2B5EF4-FFF2-40B4-BE49-F238E27FC236}">
+                <a16:creationId xmlns:a16="http://schemas.microsoft.com/office/drawing/2014/main" id="{CD6B8B95-E4A1-A3BD-24F4-002020DFFB0C}"/>
+              </a:ext>
+            </a:extLst>
+          </p:cNvPr>
+          <p:cNvSpPr/>
+          <p:nvPr userDrawn="1"/>
+        </p:nvSpPr>
+        <p:spPr>
+          <a:xfrm>
+            <a:off x="7092280" y="6466884"/>
+            <a:ext cx="1944216" cy="365125"/>
+          </a:xfrm>
+          <a:prstGeom prst="rect">
+            <a:avLst/>
+          </a:prstGeom>
+          <a:noFill/>
+          <a:ln>
+            <a:noFill/>
+          </a:ln>
+        </p:spPr>
+        <p:style>
+          <a:lnRef idx="2">
+            <a:schemeClr val="dk1"/>
+          </a:lnRef>
+          <a:fillRef idx="1">
+            <a:schemeClr val="lt1"/>
+          </a:fillRef>
+          <a:effectRef idx="0">
+            <a:schemeClr val="dk1"/>
+          </a:effectRef>
+          <a:fontRef idx="minor">
+            <a:schemeClr val="dk1"/>
+          </a:fontRef>
+        </p:style>
+        <p:txBody>
+          <a:bodyPr rtlCol="0" anchor="ctr"/>
+          <a:lstStyle/>
+          <a:p>
+            <a:pPr algn="r"/>
+            <a:fld id="{72CEB9E3-907B-4C9E-8669-48B8CFAF986F}" type="slidenum">
+              <a:rPr lang="ko-KR" altLang="en-US" smtClean="0">
+                <a:solidFill>
+                  <a:schemeClr val="bg1"/>
+                </a:solidFill>
+              </a:rPr>
+              <a:pPr algn="r"/>
+              <a:t>‹#›</a:t>
+            </a:fld>
+            <a:endParaRPr lang="ko-KR" altLang="en-US" dirty="0">
+              <a:solidFill>
+                <a:schemeClr val="bg1"/>
+              </a:solidFill>
+            </a:endParaRPr>
+          </a:p>
+        </p:txBody>
+      </p:sp>
     </p:spTree>
     <p:extLst>
       <p:ext uri="{BB962C8B-B14F-4D97-AF65-F5344CB8AC3E}">
@@ -2771,6 +3253,67 @@
           </a:p>
         </p:txBody>
       </p:sp>
+      <p:sp>
+        <p:nvSpPr>
+          <p:cNvPr id="3" name="직사각형 2">
+            <a:extLst>
+              <a:ext uri="{FF2B5EF4-FFF2-40B4-BE49-F238E27FC236}">
+                <a16:creationId xmlns:a16="http://schemas.microsoft.com/office/drawing/2014/main" id="{B3586DD8-57DA-40AA-1B1F-CEEC070E9705}"/>
+              </a:ext>
+            </a:extLst>
+          </p:cNvPr>
+          <p:cNvSpPr/>
+          <p:nvPr userDrawn="1"/>
+        </p:nvSpPr>
+        <p:spPr>
+          <a:xfrm>
+            <a:off x="7092280" y="6466884"/>
+            <a:ext cx="1944216" cy="365125"/>
+          </a:xfrm>
+          <a:prstGeom prst="rect">
+            <a:avLst/>
+          </a:prstGeom>
+          <a:noFill/>
+          <a:ln>
+            <a:noFill/>
+          </a:ln>
+        </p:spPr>
+        <p:style>
+          <a:lnRef idx="2">
+            <a:schemeClr val="dk1"/>
+          </a:lnRef>
+          <a:fillRef idx="1">
+            <a:schemeClr val="lt1"/>
+          </a:fillRef>
+          <a:effectRef idx="0">
+            <a:schemeClr val="dk1"/>
+          </a:effectRef>
+          <a:fontRef idx="minor">
+            <a:schemeClr val="dk1"/>
+          </a:fontRef>
+        </p:style>
+        <p:txBody>
+          <a:bodyPr rtlCol="0" anchor="ctr"/>
+          <a:lstStyle/>
+          <a:p>
+            <a:pPr algn="r"/>
+            <a:fld id="{72CEB9E3-907B-4C9E-8669-48B8CFAF986F}" type="slidenum">
+              <a:rPr lang="ko-KR" altLang="en-US" smtClean="0">
+                <a:solidFill>
+                  <a:schemeClr val="bg1"/>
+                </a:solidFill>
+              </a:rPr>
+              <a:pPr algn="r"/>
+              <a:t>‹#›</a:t>
+            </a:fld>
+            <a:endParaRPr lang="ko-KR" altLang="en-US" dirty="0">
+              <a:solidFill>
+                <a:schemeClr val="bg1"/>
+              </a:solidFill>
+            </a:endParaRPr>
+          </a:p>
+        </p:txBody>
+      </p:sp>
     </p:spTree>
     <p:extLst>
       <p:ext uri="{BB962C8B-B14F-4D97-AF65-F5344CB8AC3E}">
@@ -2822,7 +3365,7 @@
         <p:spPr>
           <a:xfrm>
             <a:off x="323850" y="692695"/>
-            <a:ext cx="1871886" cy="504825"/>
+            <a:ext cx="7056462" cy="504825"/>
           </a:xfrm>
         </p:spPr>
         <p:txBody>
@@ -2953,6 +3496,175 @@
               </a:rPr>
               <a:t>01</a:t>
             </a:r>
+          </a:p>
+        </p:txBody>
+      </p:sp>
+      <p:sp>
+        <p:nvSpPr>
+          <p:cNvPr id="9" name="내용 개체 틀 2">
+            <a:extLst>
+              <a:ext uri="{FF2B5EF4-FFF2-40B4-BE49-F238E27FC236}">
+                <a16:creationId xmlns:a16="http://schemas.microsoft.com/office/drawing/2014/main" id="{1319D475-3C80-ED93-F0C0-EBDA68DD6514}"/>
+              </a:ext>
+            </a:extLst>
+          </p:cNvPr>
+          <p:cNvSpPr>
+            <a:spLocks noGrp="1"/>
+          </p:cNvSpPr>
+          <p:nvPr>
+            <p:ph idx="1"/>
+          </p:nvPr>
+        </p:nvSpPr>
+        <p:spPr>
+          <a:xfrm>
+            <a:off x="323528" y="1600200"/>
+            <a:ext cx="8229600" cy="4525963"/>
+          </a:xfrm>
+        </p:spPr>
+        <p:txBody>
+          <a:bodyPr/>
+          <a:lstStyle>
+            <a:lvl1pPr>
+              <a:defRPr>
+                <a:solidFill>
+                  <a:schemeClr val="bg1"/>
+                </a:solidFill>
+                <a:latin typeface="맑은 고딕" pitchFamily="50" charset="-127"/>
+                <a:ea typeface="맑은 고딕" pitchFamily="50" charset="-127"/>
+              </a:defRPr>
+            </a:lvl1pPr>
+            <a:lvl2pPr>
+              <a:defRPr>
+                <a:solidFill>
+                  <a:schemeClr val="bg1"/>
+                </a:solidFill>
+                <a:latin typeface="맑은 고딕" pitchFamily="50" charset="-127"/>
+                <a:ea typeface="맑은 고딕" pitchFamily="50" charset="-127"/>
+              </a:defRPr>
+            </a:lvl2pPr>
+            <a:lvl3pPr>
+              <a:defRPr>
+                <a:solidFill>
+                  <a:schemeClr val="bg1"/>
+                </a:solidFill>
+                <a:latin typeface="맑은 고딕" pitchFamily="50" charset="-127"/>
+                <a:ea typeface="맑은 고딕" pitchFamily="50" charset="-127"/>
+              </a:defRPr>
+            </a:lvl3pPr>
+            <a:lvl4pPr>
+              <a:defRPr>
+                <a:solidFill>
+                  <a:schemeClr val="bg1"/>
+                </a:solidFill>
+                <a:latin typeface="맑은 고딕" pitchFamily="50" charset="-127"/>
+                <a:ea typeface="맑은 고딕" pitchFamily="50" charset="-127"/>
+              </a:defRPr>
+            </a:lvl4pPr>
+            <a:lvl5pPr>
+              <a:defRPr>
+                <a:solidFill>
+                  <a:schemeClr val="bg1"/>
+                </a:solidFill>
+                <a:latin typeface="맑은 고딕" pitchFamily="50" charset="-127"/>
+                <a:ea typeface="맑은 고딕" pitchFamily="50" charset="-127"/>
+              </a:defRPr>
+            </a:lvl5pPr>
+          </a:lstStyle>
+          <a:p>
+            <a:pPr lvl="0"/>
+            <a:r>
+              <a:rPr lang="ko-KR" altLang="en-US" dirty="0"/>
+              <a:t>마스터 텍스트 스타일을 편집합니다</a:t>
+            </a:r>
+          </a:p>
+          <a:p>
+            <a:pPr lvl="1"/>
+            <a:r>
+              <a:rPr lang="ko-KR" altLang="en-US" dirty="0"/>
+              <a:t>둘째 수준</a:t>
+            </a:r>
+          </a:p>
+          <a:p>
+            <a:pPr lvl="2"/>
+            <a:r>
+              <a:rPr lang="ko-KR" altLang="en-US" dirty="0"/>
+              <a:t>셋째 수준</a:t>
+            </a:r>
+          </a:p>
+          <a:p>
+            <a:pPr lvl="3"/>
+            <a:r>
+              <a:rPr lang="ko-KR" altLang="en-US" dirty="0"/>
+              <a:t>넷째 수준</a:t>
+            </a:r>
+          </a:p>
+          <a:p>
+            <a:pPr lvl="4"/>
+            <a:r>
+              <a:rPr lang="ko-KR" altLang="en-US" dirty="0"/>
+              <a:t>다섯째 수준</a:t>
+            </a:r>
+          </a:p>
+        </p:txBody>
+      </p:sp>
+      <p:sp>
+        <p:nvSpPr>
+          <p:cNvPr id="11" name="직사각형 10">
+            <a:extLst>
+              <a:ext uri="{FF2B5EF4-FFF2-40B4-BE49-F238E27FC236}">
+                <a16:creationId xmlns:a16="http://schemas.microsoft.com/office/drawing/2014/main" id="{0A80DF69-F150-C67B-0753-935EA9803487}"/>
+              </a:ext>
+            </a:extLst>
+          </p:cNvPr>
+          <p:cNvSpPr/>
+          <p:nvPr userDrawn="1"/>
+        </p:nvSpPr>
+        <p:spPr>
+          <a:xfrm>
+            <a:off x="7092280" y="6466884"/>
+            <a:ext cx="1944216" cy="365125"/>
+          </a:xfrm>
+          <a:prstGeom prst="rect">
+            <a:avLst/>
+          </a:prstGeom>
+          <a:noFill/>
+          <a:ln>
+            <a:noFill/>
+          </a:ln>
+        </p:spPr>
+        <p:style>
+          <a:lnRef idx="2">
+            <a:schemeClr val="dk1"/>
+          </a:lnRef>
+          <a:fillRef idx="1">
+            <a:schemeClr val="lt1"/>
+          </a:fillRef>
+          <a:effectRef idx="0">
+            <a:schemeClr val="dk1"/>
+          </a:effectRef>
+          <a:fontRef idx="minor">
+            <a:schemeClr val="dk1"/>
+          </a:fontRef>
+        </p:style>
+        <p:txBody>
+          <a:bodyPr rtlCol="0" anchor="ctr"/>
+          <a:lstStyle/>
+          <a:p>
+            <a:pPr algn="r"/>
+            <a:fld id="{72CEB9E3-907B-4C9E-8669-48B8CFAF986F}" type="slidenum">
+              <a:rPr lang="ko-KR" altLang="en-US" smtClean="0">
+                <a:solidFill>
+                  <a:schemeClr val="bg1"/>
+                </a:solidFill>
+              </a:rPr>
+              <a:pPr algn="r"/>
+              <a:t>‹#›</a:t>
+            </a:fld>
+            <a:endParaRPr lang="ko-KR" altLang="en-US" dirty="0">
+              <a:solidFill>
+                <a:schemeClr val="bg1"/>
+              </a:solidFill>
+            </a:endParaRPr>
           </a:p>
         </p:txBody>
       </p:sp>
@@ -3112,7 +3824,7 @@
         <p:spPr>
           <a:xfrm>
             <a:off x="323850" y="692695"/>
-            <a:ext cx="1924244" cy="504825"/>
+            <a:ext cx="7416502" cy="504825"/>
           </a:xfrm>
         </p:spPr>
         <p:txBody>
@@ -3138,6 +3850,175 @@
               <a:rPr lang="ko-KR" altLang="en-US" dirty="0"/>
               <a:t>제목입력</a:t>
             </a:r>
+          </a:p>
+        </p:txBody>
+      </p:sp>
+      <p:sp>
+        <p:nvSpPr>
+          <p:cNvPr id="6" name="내용 개체 틀 2">
+            <a:extLst>
+              <a:ext uri="{FF2B5EF4-FFF2-40B4-BE49-F238E27FC236}">
+                <a16:creationId xmlns:a16="http://schemas.microsoft.com/office/drawing/2014/main" id="{095B06EF-4550-B18A-B385-49FA8E84C199}"/>
+              </a:ext>
+            </a:extLst>
+          </p:cNvPr>
+          <p:cNvSpPr>
+            <a:spLocks noGrp="1"/>
+          </p:cNvSpPr>
+          <p:nvPr>
+            <p:ph idx="1"/>
+          </p:nvPr>
+        </p:nvSpPr>
+        <p:spPr>
+          <a:xfrm>
+            <a:off x="323528" y="1600200"/>
+            <a:ext cx="8229600" cy="4525963"/>
+          </a:xfrm>
+        </p:spPr>
+        <p:txBody>
+          <a:bodyPr/>
+          <a:lstStyle>
+            <a:lvl1pPr>
+              <a:defRPr>
+                <a:solidFill>
+                  <a:schemeClr val="bg1"/>
+                </a:solidFill>
+                <a:latin typeface="맑은 고딕" pitchFamily="50" charset="-127"/>
+                <a:ea typeface="맑은 고딕" pitchFamily="50" charset="-127"/>
+              </a:defRPr>
+            </a:lvl1pPr>
+            <a:lvl2pPr>
+              <a:defRPr>
+                <a:solidFill>
+                  <a:schemeClr val="bg1"/>
+                </a:solidFill>
+                <a:latin typeface="맑은 고딕" pitchFamily="50" charset="-127"/>
+                <a:ea typeface="맑은 고딕" pitchFamily="50" charset="-127"/>
+              </a:defRPr>
+            </a:lvl2pPr>
+            <a:lvl3pPr>
+              <a:defRPr>
+                <a:solidFill>
+                  <a:schemeClr val="bg1"/>
+                </a:solidFill>
+                <a:latin typeface="맑은 고딕" pitchFamily="50" charset="-127"/>
+                <a:ea typeface="맑은 고딕" pitchFamily="50" charset="-127"/>
+              </a:defRPr>
+            </a:lvl3pPr>
+            <a:lvl4pPr>
+              <a:defRPr>
+                <a:solidFill>
+                  <a:schemeClr val="bg1"/>
+                </a:solidFill>
+                <a:latin typeface="맑은 고딕" pitchFamily="50" charset="-127"/>
+                <a:ea typeface="맑은 고딕" pitchFamily="50" charset="-127"/>
+              </a:defRPr>
+            </a:lvl4pPr>
+            <a:lvl5pPr>
+              <a:defRPr>
+                <a:solidFill>
+                  <a:schemeClr val="bg1"/>
+                </a:solidFill>
+                <a:latin typeface="맑은 고딕" pitchFamily="50" charset="-127"/>
+                <a:ea typeface="맑은 고딕" pitchFamily="50" charset="-127"/>
+              </a:defRPr>
+            </a:lvl5pPr>
+          </a:lstStyle>
+          <a:p>
+            <a:pPr lvl="0"/>
+            <a:r>
+              <a:rPr lang="ko-KR" altLang="en-US" dirty="0"/>
+              <a:t>마스터 텍스트 스타일을 편집합니다</a:t>
+            </a:r>
+          </a:p>
+          <a:p>
+            <a:pPr lvl="1"/>
+            <a:r>
+              <a:rPr lang="ko-KR" altLang="en-US" dirty="0"/>
+              <a:t>둘째 수준</a:t>
+            </a:r>
+          </a:p>
+          <a:p>
+            <a:pPr lvl="2"/>
+            <a:r>
+              <a:rPr lang="ko-KR" altLang="en-US" dirty="0"/>
+              <a:t>셋째 수준</a:t>
+            </a:r>
+          </a:p>
+          <a:p>
+            <a:pPr lvl="3"/>
+            <a:r>
+              <a:rPr lang="ko-KR" altLang="en-US" dirty="0"/>
+              <a:t>넷째 수준</a:t>
+            </a:r>
+          </a:p>
+          <a:p>
+            <a:pPr lvl="4"/>
+            <a:r>
+              <a:rPr lang="ko-KR" altLang="en-US" dirty="0"/>
+              <a:t>다섯째 수준</a:t>
+            </a:r>
+          </a:p>
+        </p:txBody>
+      </p:sp>
+      <p:sp>
+        <p:nvSpPr>
+          <p:cNvPr id="8" name="직사각형 7">
+            <a:extLst>
+              <a:ext uri="{FF2B5EF4-FFF2-40B4-BE49-F238E27FC236}">
+                <a16:creationId xmlns:a16="http://schemas.microsoft.com/office/drawing/2014/main" id="{730007AC-1394-B26D-1F33-584A74DA927F}"/>
+              </a:ext>
+            </a:extLst>
+          </p:cNvPr>
+          <p:cNvSpPr/>
+          <p:nvPr userDrawn="1"/>
+        </p:nvSpPr>
+        <p:spPr>
+          <a:xfrm>
+            <a:off x="7092280" y="6466884"/>
+            <a:ext cx="1944216" cy="365125"/>
+          </a:xfrm>
+          <a:prstGeom prst="rect">
+            <a:avLst/>
+          </a:prstGeom>
+          <a:noFill/>
+          <a:ln>
+            <a:noFill/>
+          </a:ln>
+        </p:spPr>
+        <p:style>
+          <a:lnRef idx="2">
+            <a:schemeClr val="dk1"/>
+          </a:lnRef>
+          <a:fillRef idx="1">
+            <a:schemeClr val="lt1"/>
+          </a:fillRef>
+          <a:effectRef idx="0">
+            <a:schemeClr val="dk1"/>
+          </a:effectRef>
+          <a:fontRef idx="minor">
+            <a:schemeClr val="dk1"/>
+          </a:fontRef>
+        </p:style>
+        <p:txBody>
+          <a:bodyPr rtlCol="0" anchor="ctr"/>
+          <a:lstStyle/>
+          <a:p>
+            <a:pPr algn="r"/>
+            <a:fld id="{72CEB9E3-907B-4C9E-8669-48B8CFAF986F}" type="slidenum">
+              <a:rPr lang="ko-KR" altLang="en-US" smtClean="0">
+                <a:solidFill>
+                  <a:schemeClr val="bg1"/>
+                </a:solidFill>
+              </a:rPr>
+              <a:pPr algn="r"/>
+              <a:t>‹#›</a:t>
+            </a:fld>
+            <a:endParaRPr lang="ko-KR" altLang="en-US" dirty="0">
+              <a:solidFill>
+                <a:schemeClr val="bg1"/>
+              </a:solidFill>
+            </a:endParaRPr>
           </a:p>
         </p:txBody>
       </p:sp>
@@ -3297,7 +4178,7 @@
         <p:spPr>
           <a:xfrm>
             <a:off x="323850" y="692695"/>
-            <a:ext cx="2087910" cy="504825"/>
+            <a:ext cx="7416502" cy="504825"/>
           </a:xfrm>
         </p:spPr>
         <p:txBody>
@@ -3323,6 +4204,175 @@
               <a:rPr lang="ko-KR" altLang="en-US" dirty="0"/>
               <a:t>제목입력</a:t>
             </a:r>
+          </a:p>
+        </p:txBody>
+      </p:sp>
+      <p:sp>
+        <p:nvSpPr>
+          <p:cNvPr id="6" name="내용 개체 틀 2">
+            <a:extLst>
+              <a:ext uri="{FF2B5EF4-FFF2-40B4-BE49-F238E27FC236}">
+                <a16:creationId xmlns:a16="http://schemas.microsoft.com/office/drawing/2014/main" id="{3967CE3B-7B62-B52A-F3C0-3BE57D78D350}"/>
+              </a:ext>
+            </a:extLst>
+          </p:cNvPr>
+          <p:cNvSpPr>
+            <a:spLocks noGrp="1"/>
+          </p:cNvSpPr>
+          <p:nvPr>
+            <p:ph idx="1"/>
+          </p:nvPr>
+        </p:nvSpPr>
+        <p:spPr>
+          <a:xfrm>
+            <a:off x="323528" y="1600200"/>
+            <a:ext cx="8229600" cy="4525963"/>
+          </a:xfrm>
+        </p:spPr>
+        <p:txBody>
+          <a:bodyPr/>
+          <a:lstStyle>
+            <a:lvl1pPr>
+              <a:defRPr>
+                <a:solidFill>
+                  <a:schemeClr val="bg1"/>
+                </a:solidFill>
+                <a:latin typeface="맑은 고딕" pitchFamily="50" charset="-127"/>
+                <a:ea typeface="맑은 고딕" pitchFamily="50" charset="-127"/>
+              </a:defRPr>
+            </a:lvl1pPr>
+            <a:lvl2pPr>
+              <a:defRPr>
+                <a:solidFill>
+                  <a:schemeClr val="bg1"/>
+                </a:solidFill>
+                <a:latin typeface="맑은 고딕" pitchFamily="50" charset="-127"/>
+                <a:ea typeface="맑은 고딕" pitchFamily="50" charset="-127"/>
+              </a:defRPr>
+            </a:lvl2pPr>
+            <a:lvl3pPr>
+              <a:defRPr>
+                <a:solidFill>
+                  <a:schemeClr val="bg1"/>
+                </a:solidFill>
+                <a:latin typeface="맑은 고딕" pitchFamily="50" charset="-127"/>
+                <a:ea typeface="맑은 고딕" pitchFamily="50" charset="-127"/>
+              </a:defRPr>
+            </a:lvl3pPr>
+            <a:lvl4pPr>
+              <a:defRPr>
+                <a:solidFill>
+                  <a:schemeClr val="bg1"/>
+                </a:solidFill>
+                <a:latin typeface="맑은 고딕" pitchFamily="50" charset="-127"/>
+                <a:ea typeface="맑은 고딕" pitchFamily="50" charset="-127"/>
+              </a:defRPr>
+            </a:lvl4pPr>
+            <a:lvl5pPr>
+              <a:defRPr>
+                <a:solidFill>
+                  <a:schemeClr val="bg1"/>
+                </a:solidFill>
+                <a:latin typeface="맑은 고딕" pitchFamily="50" charset="-127"/>
+                <a:ea typeface="맑은 고딕" pitchFamily="50" charset="-127"/>
+              </a:defRPr>
+            </a:lvl5pPr>
+          </a:lstStyle>
+          <a:p>
+            <a:pPr lvl="0"/>
+            <a:r>
+              <a:rPr lang="ko-KR" altLang="en-US" dirty="0"/>
+              <a:t>마스터 텍스트 스타일을 편집합니다</a:t>
+            </a:r>
+          </a:p>
+          <a:p>
+            <a:pPr lvl="1"/>
+            <a:r>
+              <a:rPr lang="ko-KR" altLang="en-US" dirty="0"/>
+              <a:t>둘째 수준</a:t>
+            </a:r>
+          </a:p>
+          <a:p>
+            <a:pPr lvl="2"/>
+            <a:r>
+              <a:rPr lang="ko-KR" altLang="en-US" dirty="0"/>
+              <a:t>셋째 수준</a:t>
+            </a:r>
+          </a:p>
+          <a:p>
+            <a:pPr lvl="3"/>
+            <a:r>
+              <a:rPr lang="ko-KR" altLang="en-US" dirty="0"/>
+              <a:t>넷째 수준</a:t>
+            </a:r>
+          </a:p>
+          <a:p>
+            <a:pPr lvl="4"/>
+            <a:r>
+              <a:rPr lang="ko-KR" altLang="en-US" dirty="0"/>
+              <a:t>다섯째 수준</a:t>
+            </a:r>
+          </a:p>
+        </p:txBody>
+      </p:sp>
+      <p:sp>
+        <p:nvSpPr>
+          <p:cNvPr id="8" name="직사각형 7">
+            <a:extLst>
+              <a:ext uri="{FF2B5EF4-FFF2-40B4-BE49-F238E27FC236}">
+                <a16:creationId xmlns:a16="http://schemas.microsoft.com/office/drawing/2014/main" id="{B7AA9D3E-29C8-8D13-D00A-0C3C99D73F07}"/>
+              </a:ext>
+            </a:extLst>
+          </p:cNvPr>
+          <p:cNvSpPr/>
+          <p:nvPr userDrawn="1"/>
+        </p:nvSpPr>
+        <p:spPr>
+          <a:xfrm>
+            <a:off x="7092280" y="6466884"/>
+            <a:ext cx="1944216" cy="365125"/>
+          </a:xfrm>
+          <a:prstGeom prst="rect">
+            <a:avLst/>
+          </a:prstGeom>
+          <a:noFill/>
+          <a:ln>
+            <a:noFill/>
+          </a:ln>
+        </p:spPr>
+        <p:style>
+          <a:lnRef idx="2">
+            <a:schemeClr val="dk1"/>
+          </a:lnRef>
+          <a:fillRef idx="1">
+            <a:schemeClr val="lt1"/>
+          </a:fillRef>
+          <a:effectRef idx="0">
+            <a:schemeClr val="dk1"/>
+          </a:effectRef>
+          <a:fontRef idx="minor">
+            <a:schemeClr val="dk1"/>
+          </a:fontRef>
+        </p:style>
+        <p:txBody>
+          <a:bodyPr rtlCol="0" anchor="ctr"/>
+          <a:lstStyle/>
+          <a:p>
+            <a:pPr algn="r"/>
+            <a:fld id="{72CEB9E3-907B-4C9E-8669-48B8CFAF986F}" type="slidenum">
+              <a:rPr lang="ko-KR" altLang="en-US" smtClean="0">
+                <a:solidFill>
+                  <a:schemeClr val="bg1"/>
+                </a:solidFill>
+              </a:rPr>
+              <a:pPr algn="r"/>
+              <a:t>‹#›</a:t>
+            </a:fld>
+            <a:endParaRPr lang="ko-KR" altLang="en-US" dirty="0">
+              <a:solidFill>
+                <a:schemeClr val="bg1"/>
+              </a:solidFill>
+            </a:endParaRPr>
           </a:p>
         </p:txBody>
       </p:sp>
@@ -3718,7 +4768,7 @@
         <p:spPr>
           <a:xfrm>
             <a:off x="323850" y="692695"/>
-            <a:ext cx="3456062" cy="504825"/>
+            <a:ext cx="7704534" cy="504825"/>
           </a:xfrm>
         </p:spPr>
         <p:txBody>
@@ -3744,6 +4794,175 @@
               <a:rPr lang="ko-KR" altLang="en-US" dirty="0"/>
               <a:t>제목입력</a:t>
             </a:r>
+          </a:p>
+        </p:txBody>
+      </p:sp>
+      <p:sp>
+        <p:nvSpPr>
+          <p:cNvPr id="6" name="내용 개체 틀 2">
+            <a:extLst>
+              <a:ext uri="{FF2B5EF4-FFF2-40B4-BE49-F238E27FC236}">
+                <a16:creationId xmlns:a16="http://schemas.microsoft.com/office/drawing/2014/main" id="{990B8352-17AC-97EA-22FA-7BF6CB6E9862}"/>
+              </a:ext>
+            </a:extLst>
+          </p:cNvPr>
+          <p:cNvSpPr>
+            <a:spLocks noGrp="1"/>
+          </p:cNvSpPr>
+          <p:nvPr>
+            <p:ph idx="1"/>
+          </p:nvPr>
+        </p:nvSpPr>
+        <p:spPr>
+          <a:xfrm>
+            <a:off x="323528" y="1600200"/>
+            <a:ext cx="8229600" cy="4525963"/>
+          </a:xfrm>
+        </p:spPr>
+        <p:txBody>
+          <a:bodyPr/>
+          <a:lstStyle>
+            <a:lvl1pPr>
+              <a:defRPr>
+                <a:solidFill>
+                  <a:schemeClr val="bg1"/>
+                </a:solidFill>
+                <a:latin typeface="맑은 고딕" pitchFamily="50" charset="-127"/>
+                <a:ea typeface="맑은 고딕" pitchFamily="50" charset="-127"/>
+              </a:defRPr>
+            </a:lvl1pPr>
+            <a:lvl2pPr>
+              <a:defRPr>
+                <a:solidFill>
+                  <a:schemeClr val="bg1"/>
+                </a:solidFill>
+                <a:latin typeface="맑은 고딕" pitchFamily="50" charset="-127"/>
+                <a:ea typeface="맑은 고딕" pitchFamily="50" charset="-127"/>
+              </a:defRPr>
+            </a:lvl2pPr>
+            <a:lvl3pPr>
+              <a:defRPr>
+                <a:solidFill>
+                  <a:schemeClr val="bg1"/>
+                </a:solidFill>
+                <a:latin typeface="맑은 고딕" pitchFamily="50" charset="-127"/>
+                <a:ea typeface="맑은 고딕" pitchFamily="50" charset="-127"/>
+              </a:defRPr>
+            </a:lvl3pPr>
+            <a:lvl4pPr>
+              <a:defRPr>
+                <a:solidFill>
+                  <a:schemeClr val="bg1"/>
+                </a:solidFill>
+                <a:latin typeface="맑은 고딕" pitchFamily="50" charset="-127"/>
+                <a:ea typeface="맑은 고딕" pitchFamily="50" charset="-127"/>
+              </a:defRPr>
+            </a:lvl4pPr>
+            <a:lvl5pPr>
+              <a:defRPr>
+                <a:solidFill>
+                  <a:schemeClr val="bg1"/>
+                </a:solidFill>
+                <a:latin typeface="맑은 고딕" pitchFamily="50" charset="-127"/>
+                <a:ea typeface="맑은 고딕" pitchFamily="50" charset="-127"/>
+              </a:defRPr>
+            </a:lvl5pPr>
+          </a:lstStyle>
+          <a:p>
+            <a:pPr lvl="0"/>
+            <a:r>
+              <a:rPr lang="ko-KR" altLang="en-US" dirty="0"/>
+              <a:t>마스터 텍스트 스타일을 편집합니다</a:t>
+            </a:r>
+          </a:p>
+          <a:p>
+            <a:pPr lvl="1"/>
+            <a:r>
+              <a:rPr lang="ko-KR" altLang="en-US" dirty="0"/>
+              <a:t>둘째 수준</a:t>
+            </a:r>
+          </a:p>
+          <a:p>
+            <a:pPr lvl="2"/>
+            <a:r>
+              <a:rPr lang="ko-KR" altLang="en-US" dirty="0"/>
+              <a:t>셋째 수준</a:t>
+            </a:r>
+          </a:p>
+          <a:p>
+            <a:pPr lvl="3"/>
+            <a:r>
+              <a:rPr lang="ko-KR" altLang="en-US" dirty="0"/>
+              <a:t>넷째 수준</a:t>
+            </a:r>
+          </a:p>
+          <a:p>
+            <a:pPr lvl="4"/>
+            <a:r>
+              <a:rPr lang="ko-KR" altLang="en-US" dirty="0"/>
+              <a:t>다섯째 수준</a:t>
+            </a:r>
+          </a:p>
+        </p:txBody>
+      </p:sp>
+      <p:sp>
+        <p:nvSpPr>
+          <p:cNvPr id="8" name="직사각형 7">
+            <a:extLst>
+              <a:ext uri="{FF2B5EF4-FFF2-40B4-BE49-F238E27FC236}">
+                <a16:creationId xmlns:a16="http://schemas.microsoft.com/office/drawing/2014/main" id="{9D8566C8-402C-7D00-4256-8E2D3DDD24BA}"/>
+              </a:ext>
+            </a:extLst>
+          </p:cNvPr>
+          <p:cNvSpPr/>
+          <p:nvPr userDrawn="1"/>
+        </p:nvSpPr>
+        <p:spPr>
+          <a:xfrm>
+            <a:off x="7092280" y="6466884"/>
+            <a:ext cx="1944216" cy="365125"/>
+          </a:xfrm>
+          <a:prstGeom prst="rect">
+            <a:avLst/>
+          </a:prstGeom>
+          <a:noFill/>
+          <a:ln>
+            <a:noFill/>
+          </a:ln>
+        </p:spPr>
+        <p:style>
+          <a:lnRef idx="2">
+            <a:schemeClr val="dk1"/>
+          </a:lnRef>
+          <a:fillRef idx="1">
+            <a:schemeClr val="lt1"/>
+          </a:fillRef>
+          <a:effectRef idx="0">
+            <a:schemeClr val="dk1"/>
+          </a:effectRef>
+          <a:fontRef idx="minor">
+            <a:schemeClr val="dk1"/>
+          </a:fontRef>
+        </p:style>
+        <p:txBody>
+          <a:bodyPr rtlCol="0" anchor="ctr"/>
+          <a:lstStyle/>
+          <a:p>
+            <a:pPr algn="r"/>
+            <a:fld id="{72CEB9E3-907B-4C9E-8669-48B8CFAF986F}" type="slidenum">
+              <a:rPr lang="ko-KR" altLang="en-US" smtClean="0">
+                <a:solidFill>
+                  <a:schemeClr val="bg1"/>
+                </a:solidFill>
+              </a:rPr>
+              <a:pPr algn="r"/>
+              <a:t>‹#›</a:t>
+            </a:fld>
+            <a:endParaRPr lang="ko-KR" altLang="en-US" dirty="0">
+              <a:solidFill>
+                <a:schemeClr val="bg1"/>
+              </a:solidFill>
+            </a:endParaRPr>
           </a:p>
         </p:txBody>
       </p:sp>
@@ -3910,11 +5129,6 @@
             </a:lvl1pPr>
           </a:lstStyle>
           <a:p>
-            <a:fld id="{3A302466-FE76-40E8-BE5D-598A609EDD2B}" type="datetimeFigureOut">
-              <a:rPr lang="ko-KR" altLang="en-US" smtClean="0"/>
-              <a:pPr/>
-              <a:t>2022-09-11</a:t>
-            </a:fld>
             <a:endParaRPr lang="ko-KR" altLang="en-US"/>
           </a:p>
         </p:txBody>
@@ -3970,7 +5184,7 @@
         </p:nvSpPr>
         <p:spPr>
           <a:xfrm>
-            <a:off x="6553200" y="6356350"/>
+            <a:off x="6980909" y="6356350"/>
             <a:ext cx="2133600" cy="365125"/>
           </a:xfrm>
           <a:prstGeom prst="rect">
@@ -3983,9 +5197,7 @@
             <a:lvl1pPr algn="r">
               <a:defRPr sz="1200">
                 <a:solidFill>
-                  <a:schemeClr val="tx1">
-                    <a:tint val="75000"/>
-                  </a:schemeClr>
+                  <a:schemeClr val="bg1"/>
                 </a:solidFill>
                 <a:latin typeface="맑은 고딕" pitchFamily="50" charset="-127"/>
                 <a:ea typeface="맑은 고딕" pitchFamily="50" charset="-127"/>
@@ -4027,6 +5239,7 @@
     <p:sldLayoutId id="2147483664" r:id="rId14"/>
     <p:sldLayoutId id="2147483665" r:id="rId15"/>
   </p:sldLayoutIdLst>
+  <p:hf hdr="0" ftr="0" dt="0"/>
   <p:txStyles>
     <p:titleStyle>
       <a:lvl1pPr algn="ctr" defTabSz="914400" rtl="0" eaLnBrk="1" latinLnBrk="1" hangingPunct="1">
@@ -4318,6 +5531,10 @@
           <a:lstStyle/>
           <a:p>
             <a:pPr algn="l"/>
+            <a:r>
+              <a:rPr lang="ko-KR" altLang="en-US" dirty="0"/>
+              <a:t>김현정</a:t>
+            </a:r>
             <a:endParaRPr lang="en-US" altLang="ko-KR" dirty="0"/>
           </a:p>
         </p:txBody>
@@ -4353,6 +5570,73 @@
         <p14:creationId xmlns:p14="http://schemas.microsoft.com/office/powerpoint/2010/main" val="1856891170"/>
       </p:ext>
     </p:extLst>
+  </p:cSld>
+  <p:clrMapOvr>
+    <a:masterClrMapping/>
+  </p:clrMapOvr>
+</p:sld>
+</file>
+
+<file path=ppt/slides/slide10.xml><?xml version="1.0" encoding="utf-8"?>
+<p:sld xmlns:a="http://schemas.openxmlformats.org/drawingml/2006/main" xmlns:r="http://schemas.openxmlformats.org/officeDocument/2006/relationships" xmlns:p="http://schemas.openxmlformats.org/presentationml/2006/main">
+  <p:cSld>
+    <p:spTree>
+      <p:nvGrpSpPr>
+        <p:cNvPr id="1" name=""/>
+        <p:cNvGrpSpPr/>
+        <p:nvPr/>
+      </p:nvGrpSpPr>
+      <p:grpSpPr>
+        <a:xfrm>
+          <a:off x="0" y="0"/>
+          <a:ext cx="0" cy="0"/>
+          <a:chOff x="0" y="0"/>
+          <a:chExt cx="0" cy="0"/>
+        </a:xfrm>
+      </p:grpSpPr>
+      <p:sp>
+        <p:nvSpPr>
+          <p:cNvPr id="2" name="텍스트 개체 틀 1"/>
+          <p:cNvSpPr>
+            <a:spLocks noGrp="1"/>
+          </p:cNvSpPr>
+          <p:nvPr>
+            <p:ph type="body" sz="quarter" idx="10"/>
+          </p:nvPr>
+        </p:nvSpPr>
+        <p:spPr/>
+        <p:txBody>
+          <a:bodyPr/>
+          <a:lstStyle/>
+          <a:p>
+            <a:r>
+              <a:rPr lang="en-US" altLang="ko-KR" dirty="0"/>
+              <a:t> </a:t>
+            </a:r>
+            <a:endParaRPr lang="ko-KR" altLang="en-US" dirty="0"/>
+          </a:p>
+        </p:txBody>
+      </p:sp>
+      <p:sp>
+        <p:nvSpPr>
+          <p:cNvPr id="3" name="제목 2"/>
+          <p:cNvSpPr>
+            <a:spLocks noGrp="1"/>
+          </p:cNvSpPr>
+          <p:nvPr>
+            <p:ph type="title"/>
+          </p:nvPr>
+        </p:nvSpPr>
+        <p:spPr/>
+        <p:txBody>
+          <a:bodyPr/>
+          <a:lstStyle/>
+          <a:p>
+            <a:endParaRPr lang="ko-KR" altLang="en-US"/>
+          </a:p>
+        </p:txBody>
+      </p:sp>
+    </p:spTree>
   </p:cSld>
   <p:clrMapOvr>
     <a:masterClrMapping/>
@@ -4379,7 +5663,13 @@
       </p:grpSpPr>
       <p:sp>
         <p:nvSpPr>
-          <p:cNvPr id="3" name="텍스트 개체 틀 2"/>
+          <p:cNvPr id="2" name="텍스트 개체 틀 1">
+            <a:extLst>
+              <a:ext uri="{FF2B5EF4-FFF2-40B4-BE49-F238E27FC236}">
+                <a16:creationId xmlns:a16="http://schemas.microsoft.com/office/drawing/2014/main" id="{7E74A5FC-EB48-72A4-F3C4-F73B439AB6ED}"/>
+              </a:ext>
+            </a:extLst>
+          </p:cNvPr>
           <p:cNvSpPr>
             <a:spLocks noGrp="1"/>
           </p:cNvSpPr>
@@ -4389,38 +5679,45 @@
         </p:nvSpPr>
         <p:spPr/>
         <p:txBody>
-          <a:bodyPr>
-            <a:normAutofit fontScale="92500" lnSpcReduction="10000"/>
-          </a:bodyPr>
+          <a:bodyPr/>
           <a:lstStyle/>
           <a:p>
+            <a:pPr marL="514350" indent="-514350">
+              <a:buAutoNum type="arabicPeriod"/>
+            </a:pPr>
             <a:r>
               <a:rPr lang="ko-KR" altLang="en-US" dirty="0"/>
-              <a:t>컨셉</a:t>
-            </a:r>
-          </a:p>
-        </p:txBody>
-      </p:sp>
-      <p:sp>
-        <p:nvSpPr>
-          <p:cNvPr id="4" name="텍스트 개체 틀 3"/>
-          <p:cNvSpPr>
-            <a:spLocks noGrp="1"/>
-          </p:cNvSpPr>
-          <p:nvPr>
-            <p:ph type="body" sz="quarter" idx="11"/>
-          </p:nvPr>
-        </p:nvSpPr>
-        <p:spPr/>
-        <p:txBody>
-          <a:bodyPr>
-            <a:normAutofit/>
-          </a:bodyPr>
-          <a:lstStyle/>
-          <a:p>
+              <a:t>게임 소개</a:t>
+            </a:r>
+            <a:endParaRPr lang="en-US" altLang="ko-KR" dirty="0"/>
+          </a:p>
+          <a:p>
+            <a:pPr marL="514350" indent="-514350">
+              <a:buAutoNum type="arabicPeriod"/>
+            </a:pPr>
             <a:r>
               <a:rPr lang="ko-KR" altLang="en-US" dirty="0"/>
-              <a:t>컨셉</a:t>
+              <a:t>컨셉 및 테마</a:t>
+            </a:r>
+            <a:endParaRPr lang="en-US" altLang="ko-KR" dirty="0"/>
+          </a:p>
+          <a:p>
+            <a:pPr marL="514350" indent="-514350">
+              <a:buAutoNum type="arabicPeriod"/>
+            </a:pPr>
+            <a:r>
+              <a:rPr lang="ko-KR" altLang="en-US" dirty="0"/>
+              <a:t>게임의 구성 요소</a:t>
+            </a:r>
+            <a:endParaRPr lang="en-US" altLang="ko-KR" dirty="0"/>
+          </a:p>
+          <a:p>
+            <a:pPr marL="514350" indent="-514350">
+              <a:buAutoNum type="arabicPeriod"/>
+            </a:pPr>
+            <a:r>
+              <a:rPr lang="ko-KR" altLang="en-US" dirty="0"/>
+              <a:t>핵심 재미</a:t>
             </a:r>
           </a:p>
         </p:txBody>
@@ -4428,7 +5725,7 @@
     </p:spTree>
     <p:extLst>
       <p:ext uri="{BB962C8B-B14F-4D97-AF65-F5344CB8AC3E}">
-        <p14:creationId xmlns:p14="http://schemas.microsoft.com/office/powerpoint/2010/main" val="2301624315"/>
+        <p14:creationId xmlns:p14="http://schemas.microsoft.com/office/powerpoint/2010/main" val="89902502"/>
       </p:ext>
     </p:extLst>
   </p:cSld>
@@ -4457,7 +5754,7 @@
       </p:grpSpPr>
       <p:sp>
         <p:nvSpPr>
-          <p:cNvPr id="3" name="텍스트 개체 틀 1"/>
+          <p:cNvPr id="3" name="텍스트 개체 틀 2"/>
           <p:cNvSpPr>
             <a:spLocks noGrp="1"/>
           </p:cNvSpPr>
@@ -4465,12 +5762,35 @@
             <p:ph type="body" sz="quarter" idx="10"/>
           </p:nvPr>
         </p:nvSpPr>
-        <p:spPr>
-          <a:xfrm>
-            <a:off x="323850" y="692695"/>
-            <a:ext cx="2247886" cy="504825"/>
-          </a:xfrm>
-        </p:spPr>
+        <p:spPr/>
+        <p:txBody>
+          <a:bodyPr>
+            <a:normAutofit fontScale="92500" lnSpcReduction="10000"/>
+          </a:bodyPr>
+          <a:lstStyle/>
+          <a:p>
+            <a:r>
+              <a:rPr lang="en-US" altLang="ko-KR" dirty="0"/>
+              <a:t>1. </a:t>
+            </a:r>
+            <a:r>
+              <a:rPr lang="ko-KR" altLang="en-US" dirty="0"/>
+              <a:t>게임 소개</a:t>
+            </a:r>
+          </a:p>
+        </p:txBody>
+      </p:sp>
+      <p:sp>
+        <p:nvSpPr>
+          <p:cNvPr id="4" name="텍스트 개체 틀 3"/>
+          <p:cNvSpPr>
+            <a:spLocks noGrp="1"/>
+          </p:cNvSpPr>
+          <p:nvPr>
+            <p:ph type="body" sz="quarter" idx="11"/>
+          </p:nvPr>
+        </p:nvSpPr>
+        <p:spPr/>
         <p:txBody>
           <a:bodyPr>
             <a:normAutofit/>
@@ -4478,224 +5798,18 @@
           <a:lstStyle/>
           <a:p>
             <a:r>
-              <a:rPr altLang="en-US"/>
-              <a:t>수행 프로젝트</a:t>
-            </a:r>
-            <a:endParaRPr lang="ko-KR" altLang="en-US" dirty="0"/>
-          </a:p>
-        </p:txBody>
-      </p:sp>
-      <p:sp>
-        <p:nvSpPr>
-          <p:cNvPr id="7" name="TextBox 6"/>
-          <p:cNvSpPr txBox="1"/>
-          <p:nvPr/>
-        </p:nvSpPr>
-        <p:spPr>
-          <a:xfrm>
-            <a:off x="611560" y="1412776"/>
-            <a:ext cx="7429552" cy="2341154"/>
-          </a:xfrm>
-          <a:prstGeom prst="rect">
-            <a:avLst/>
-          </a:prstGeom>
-          <a:noFill/>
-        </p:spPr>
-        <p:txBody>
-          <a:bodyPr wrap="square" rtlCol="0">
-            <a:spAutoFit/>
-          </a:bodyPr>
-          <a:lstStyle/>
-          <a:p>
-            <a:pPr>
-              <a:lnSpc>
-                <a:spcPct val="150000"/>
-              </a:lnSpc>
-              <a:buFont typeface="Wingdings" pitchFamily="2" charset="2"/>
-              <a:buChar char="l"/>
-            </a:pPr>
-            <a:r>
-              <a:rPr lang="ko-KR" altLang="en-US" sz="2000" dirty="0">
-                <a:solidFill>
-                  <a:schemeClr val="bg1"/>
-                </a:solidFill>
-              </a:rPr>
-              <a:t> 프로젝트 설명</a:t>
-            </a:r>
-            <a:endParaRPr lang="en-US" altLang="ko-KR" sz="2000" dirty="0">
-              <a:solidFill>
-                <a:schemeClr val="bg1"/>
-              </a:solidFill>
-            </a:endParaRPr>
-          </a:p>
-          <a:p>
-            <a:pPr marL="800100" lvl="1" indent="-342900">
-              <a:lnSpc>
-                <a:spcPct val="150000"/>
-              </a:lnSpc>
-              <a:buFontTx/>
-              <a:buChar char="-"/>
-            </a:pPr>
-            <a:r>
-              <a:rPr lang="ko-KR" altLang="en-US" sz="2000" dirty="0">
-                <a:solidFill>
-                  <a:schemeClr val="bg1"/>
-                </a:solidFill>
-              </a:rPr>
-              <a:t>종 스크롤 기반 비행기 슈팅게임</a:t>
-            </a:r>
-            <a:endParaRPr lang="en-US" altLang="ko-KR" sz="2000" dirty="0">
-              <a:solidFill>
-                <a:schemeClr val="bg1"/>
-              </a:solidFill>
-            </a:endParaRPr>
-          </a:p>
-          <a:p>
-            <a:pPr marL="800100" lvl="1" indent="-342900">
-              <a:lnSpc>
-                <a:spcPct val="150000"/>
-              </a:lnSpc>
-              <a:buFontTx/>
-              <a:buChar char="-"/>
-            </a:pPr>
-            <a:r>
-              <a:rPr lang="ko-KR" altLang="en-US" sz="2000" dirty="0">
-                <a:solidFill>
-                  <a:schemeClr val="bg1"/>
-                </a:solidFill>
-              </a:rPr>
-              <a:t>사용기술</a:t>
-            </a:r>
-            <a:endParaRPr lang="en-US" altLang="ko-KR" sz="2000" dirty="0">
-              <a:solidFill>
-                <a:schemeClr val="bg1"/>
-              </a:solidFill>
-            </a:endParaRPr>
-          </a:p>
-          <a:p>
-            <a:pPr marL="800100" lvl="1" indent="-342900">
-              <a:lnSpc>
-                <a:spcPct val="150000"/>
-              </a:lnSpc>
-              <a:buFontTx/>
-              <a:buChar char="-"/>
-            </a:pPr>
-            <a:r>
-              <a:rPr lang="en-US" altLang="ko-KR" sz="2000" dirty="0">
-                <a:solidFill>
-                  <a:schemeClr val="bg1"/>
-                </a:solidFill>
-              </a:rPr>
-              <a:t>C#, Unity</a:t>
-            </a:r>
-          </a:p>
-          <a:p>
-            <a:pPr>
-              <a:lnSpc>
-                <a:spcPct val="150000"/>
-              </a:lnSpc>
-              <a:buFont typeface="Wingdings" pitchFamily="2" charset="2"/>
-              <a:buChar char="l"/>
-            </a:pPr>
-            <a:r>
-              <a:rPr lang="en-US" altLang="ko-KR" sz="2000" dirty="0">
-                <a:solidFill>
-                  <a:schemeClr val="bg1"/>
-                </a:solidFill>
-              </a:rPr>
-              <a:t> </a:t>
-            </a:r>
-            <a:r>
-              <a:rPr lang="ko-KR" altLang="en-US" sz="2000" dirty="0" err="1">
-                <a:solidFill>
-                  <a:schemeClr val="bg1"/>
-                </a:solidFill>
-              </a:rPr>
-              <a:t>ㅇㅇ</a:t>
-            </a:r>
-            <a:endParaRPr lang="en-US" altLang="ko-KR" sz="2000" dirty="0">
-              <a:solidFill>
-                <a:schemeClr val="bg1"/>
-              </a:solidFill>
-            </a:endParaRPr>
-          </a:p>
-        </p:txBody>
-      </p:sp>
-      <p:sp>
-        <p:nvSpPr>
-          <p:cNvPr id="9" name="텍스트 개체 틀 1"/>
-          <p:cNvSpPr txBox="1">
-            <a:spLocks/>
-          </p:cNvSpPr>
-          <p:nvPr/>
-        </p:nvSpPr>
-        <p:spPr>
-          <a:xfrm>
-            <a:off x="2857488" y="785794"/>
-            <a:ext cx="2247886" cy="307413"/>
-          </a:xfrm>
-          <a:prstGeom prst="rect">
-            <a:avLst/>
-          </a:prstGeom>
-        </p:spPr>
-        <p:txBody>
-          <a:bodyPr vert="horz" lIns="91440" tIns="45720" rIns="91440" bIns="45720" rtlCol="0">
-            <a:normAutofit/>
-          </a:bodyPr>
-          <a:lstStyle/>
-          <a:p>
-            <a:pPr marL="0" marR="0" lvl="0" indent="0" algn="l" defTabSz="914400" rtl="0" eaLnBrk="1" fontAlgn="auto" latinLnBrk="1" hangingPunct="1">
-              <a:lnSpc>
-                <a:spcPct val="100000"/>
-              </a:lnSpc>
-              <a:spcBef>
-                <a:spcPct val="20000"/>
-              </a:spcBef>
-              <a:spcAft>
-                <a:spcPts val="0"/>
-              </a:spcAft>
-              <a:buClrTx/>
-              <a:buSzTx/>
-              <a:buFont typeface="Arial" pitchFamily="34" charset="0"/>
-              <a:buNone/>
-              <a:tabLst/>
-              <a:defRPr/>
-            </a:pPr>
-            <a:r>
-              <a:rPr kumimoji="0" lang="en-US" altLang="ko-KR" sz="1200" b="0" i="0" u="none" strike="noStrike" kern="1200" cap="none" spc="0" normalizeH="0" baseline="0" noProof="0" dirty="0">
-                <a:ln>
-                  <a:noFill/>
-                </a:ln>
-                <a:solidFill>
-                  <a:srgbClr val="26C2F2"/>
-                </a:solidFill>
-                <a:effectLst/>
-                <a:uLnTx/>
-                <a:uFillTx/>
-                <a:latin typeface="맑은 고딕" pitchFamily="50" charset="-127"/>
-                <a:ea typeface="맑은 고딕" pitchFamily="50" charset="-127"/>
-                <a:cs typeface="+mn-cs"/>
-              </a:rPr>
-              <a:t>I. SpaceShooter2D</a:t>
-            </a:r>
-            <a:endParaRPr kumimoji="0" lang="ko-KR" altLang="en-US" sz="1200" b="0" i="0" u="none" strike="noStrike" kern="1200" cap="none" spc="0" normalizeH="0" baseline="0" noProof="0" dirty="0">
-              <a:ln>
-                <a:noFill/>
-              </a:ln>
-              <a:solidFill>
-                <a:srgbClr val="26C2F2"/>
-              </a:solidFill>
-              <a:effectLst/>
-              <a:uLnTx/>
-              <a:uFillTx/>
-              <a:latin typeface="맑은 고딕" pitchFamily="50" charset="-127"/>
-              <a:ea typeface="맑은 고딕" pitchFamily="50" charset="-127"/>
-              <a:cs typeface="+mn-cs"/>
-            </a:endParaRPr>
+              <a:rPr lang="ko-KR" altLang="en-US" dirty="0"/>
+              <a:t>게임 소개</a:t>
+            </a:r>
           </a:p>
         </p:txBody>
       </p:sp>
     </p:spTree>
+    <p:extLst>
+      <p:ext uri="{BB962C8B-B14F-4D97-AF65-F5344CB8AC3E}">
+        <p14:creationId xmlns:p14="http://schemas.microsoft.com/office/powerpoint/2010/main" val="2301624315"/>
+      </p:ext>
+    </p:extLst>
   </p:cSld>
   <p:clrMapOvr>
     <a:masterClrMapping/>
@@ -4725,7 +5839,7 @@
           <p:cNvPr id="2" name="텍스트 개체 틀 1">
             <a:extLst>
               <a:ext uri="{FF2B5EF4-FFF2-40B4-BE49-F238E27FC236}">
-                <a16:creationId xmlns:a16="http://schemas.microsoft.com/office/drawing/2014/main" id="{8AB34DD9-B882-616C-52F2-D1A87AAB833B}"/>
+                <a16:creationId xmlns:a16="http://schemas.microsoft.com/office/drawing/2014/main" id="{B35522CB-0ABD-5796-6922-9DE375917AD0}"/>
               </a:ext>
             </a:extLst>
           </p:cNvPr>
@@ -4741,14 +5855,82 @@
           <a:bodyPr/>
           <a:lstStyle/>
           <a:p>
-            <a:endParaRPr lang="ko-KR" altLang="en-US"/>
+            <a:r>
+              <a:rPr lang="en-US" altLang="ko-KR" dirty="0"/>
+              <a:t>1. </a:t>
+            </a:r>
+            <a:r>
+              <a:rPr lang="ko-KR" altLang="en-US" dirty="0"/>
+              <a:t>게임소개</a:t>
+            </a:r>
+          </a:p>
+        </p:txBody>
+      </p:sp>
+      <p:sp>
+        <p:nvSpPr>
+          <p:cNvPr id="5" name="TextBox 4">
+            <a:extLst>
+              <a:ext uri="{FF2B5EF4-FFF2-40B4-BE49-F238E27FC236}">
+                <a16:creationId xmlns:a16="http://schemas.microsoft.com/office/drawing/2014/main" id="{B63571F5-704F-B748-7B90-80570A31A4B3}"/>
+              </a:ext>
+            </a:extLst>
+          </p:cNvPr>
+          <p:cNvSpPr txBox="1"/>
+          <p:nvPr/>
+        </p:nvSpPr>
+        <p:spPr>
+          <a:xfrm>
+            <a:off x="323850" y="1317436"/>
+            <a:ext cx="7128792" cy="869790"/>
+          </a:xfrm>
+          <a:prstGeom prst="rect">
+            <a:avLst/>
+          </a:prstGeom>
+          <a:noFill/>
+        </p:spPr>
+        <p:txBody>
+          <a:bodyPr wrap="square">
+            <a:spAutoFit/>
+          </a:bodyPr>
+          <a:lstStyle/>
+          <a:p>
+            <a:pPr>
+              <a:lnSpc>
+                <a:spcPct val="150000"/>
+              </a:lnSpc>
+            </a:pPr>
+            <a:r>
+              <a:rPr lang="ko-KR" altLang="en-US" dirty="0">
+                <a:solidFill>
+                  <a:schemeClr val="bg1"/>
+                </a:solidFill>
+              </a:rPr>
+              <a:t>교육 시키는 게임</a:t>
+            </a:r>
+            <a:endParaRPr lang="en-US" altLang="ko-KR" dirty="0">
+              <a:solidFill>
+                <a:schemeClr val="bg1"/>
+              </a:solidFill>
+            </a:endParaRPr>
+          </a:p>
+          <a:p>
+            <a:pPr>
+              <a:lnSpc>
+                <a:spcPct val="150000"/>
+              </a:lnSpc>
+            </a:pPr>
+            <a:endParaRPr lang="ko-KR" altLang="en-US" dirty="0">
+              <a:solidFill>
+                <a:schemeClr val="bg1"/>
+              </a:solidFill>
+            </a:endParaRPr>
           </a:p>
         </p:txBody>
       </p:sp>
     </p:spTree>
     <p:extLst>
       <p:ext uri="{BB962C8B-B14F-4D97-AF65-F5344CB8AC3E}">
-        <p14:creationId xmlns:p14="http://schemas.microsoft.com/office/powerpoint/2010/main" val="2833371443"/>
+        <p14:creationId xmlns:p14="http://schemas.microsoft.com/office/powerpoint/2010/main" val="1422292015"/>
       </p:ext>
     </p:extLst>
   </p:cSld>
@@ -4777,7 +5959,13 @@
       </p:grpSpPr>
       <p:sp>
         <p:nvSpPr>
-          <p:cNvPr id="3" name="텍스트 개체 틀 1"/>
+          <p:cNvPr id="3" name="텍스트 개체 틀 2">
+            <a:extLst>
+              <a:ext uri="{FF2B5EF4-FFF2-40B4-BE49-F238E27FC236}">
+                <a16:creationId xmlns:a16="http://schemas.microsoft.com/office/drawing/2014/main" id="{9C53C9F1-9A4E-E24A-B3F2-1177C8DDB47B}"/>
+              </a:ext>
+            </a:extLst>
+          </p:cNvPr>
           <p:cNvSpPr>
             <a:spLocks noGrp="1"/>
           </p:cNvSpPr>
@@ -4785,225 +5973,44 @@
             <p:ph type="body" sz="quarter" idx="10"/>
           </p:nvPr>
         </p:nvSpPr>
-        <p:spPr>
-          <a:xfrm>
-            <a:off x="323850" y="692695"/>
-            <a:ext cx="2247886" cy="504825"/>
-          </a:xfrm>
-        </p:spPr>
-        <p:txBody>
-          <a:bodyPr>
-            <a:normAutofit/>
-          </a:bodyPr>
+        <p:spPr/>
+        <p:txBody>
+          <a:bodyPr/>
           <a:lstStyle/>
           <a:p>
-            <a:r>
-              <a:rPr altLang="en-US"/>
-              <a:t>수행 프로젝트</a:t>
-            </a:r>
-            <a:endParaRPr lang="ko-KR" altLang="en-US" dirty="0"/>
-          </a:p>
-        </p:txBody>
-      </p:sp>
-      <p:sp>
-        <p:nvSpPr>
-          <p:cNvPr id="6" name="텍스트 개체 틀 1">
+            <a:endParaRPr lang="ko-KR" altLang="en-US"/>
+          </a:p>
+        </p:txBody>
+      </p:sp>
+      <p:sp>
+        <p:nvSpPr>
+          <p:cNvPr id="4" name="내용 개체 틀 3">
             <a:extLst>
               <a:ext uri="{FF2B5EF4-FFF2-40B4-BE49-F238E27FC236}">
-                <a16:creationId xmlns:a16="http://schemas.microsoft.com/office/drawing/2014/main" id="{64E4B7C3-066B-E8C5-052E-18A93F994E46}"/>
+                <a16:creationId xmlns:a16="http://schemas.microsoft.com/office/drawing/2014/main" id="{0194A7E0-5B75-09FF-1B76-A5BB39433C14}"/>
               </a:ext>
             </a:extLst>
           </p:cNvPr>
-          <p:cNvSpPr txBox="1">
-            <a:spLocks/>
+          <p:cNvSpPr>
+            <a:spLocks noGrp="1"/>
           </p:cNvSpPr>
-          <p:nvPr/>
-        </p:nvSpPr>
-        <p:spPr>
-          <a:xfrm>
-            <a:off x="2857488" y="785794"/>
-            <a:ext cx="2247886" cy="307413"/>
-          </a:xfrm>
-          <a:prstGeom prst="rect">
-            <a:avLst/>
-          </a:prstGeom>
-        </p:spPr>
-        <p:txBody>
-          <a:bodyPr vert="horz" lIns="91440" tIns="45720" rIns="91440" bIns="45720" rtlCol="0">
-            <a:normAutofit/>
-          </a:bodyPr>
+          <p:nvPr>
+            <p:ph idx="1"/>
+          </p:nvPr>
+        </p:nvSpPr>
+        <p:spPr/>
+        <p:txBody>
+          <a:bodyPr/>
           <a:lstStyle/>
           <a:p>
-            <a:pPr marL="0" marR="0" lvl="0" indent="0" algn="l" defTabSz="914400" rtl="0" eaLnBrk="1" fontAlgn="auto" latinLnBrk="1" hangingPunct="1">
-              <a:lnSpc>
-                <a:spcPct val="100000"/>
-              </a:lnSpc>
-              <a:spcBef>
-                <a:spcPct val="20000"/>
-              </a:spcBef>
-              <a:spcAft>
-                <a:spcPts val="0"/>
-              </a:spcAft>
-              <a:buClrTx/>
-              <a:buSzTx/>
-              <a:buFont typeface="Arial" pitchFamily="34" charset="0"/>
-              <a:buNone/>
-              <a:tabLst/>
-              <a:defRPr/>
-            </a:pPr>
-            <a:r>
-              <a:rPr kumimoji="0" lang="en-US" altLang="ko-KR" sz="1200" b="0" i="0" u="none" strike="noStrike" kern="1200" cap="none" spc="0" normalizeH="0" baseline="0" noProof="0" dirty="0">
-                <a:ln>
-                  <a:noFill/>
-                </a:ln>
-                <a:solidFill>
-                  <a:srgbClr val="26C2F2"/>
-                </a:solidFill>
-                <a:effectLst/>
-                <a:uLnTx/>
-                <a:uFillTx/>
-                <a:latin typeface="맑은 고딕" pitchFamily="50" charset="-127"/>
-                <a:ea typeface="맑은 고딕" pitchFamily="50" charset="-127"/>
-                <a:cs typeface="+mn-cs"/>
-              </a:rPr>
-              <a:t>I. SpaceShooter2D</a:t>
-            </a:r>
-            <a:endParaRPr kumimoji="0" lang="ko-KR" altLang="en-US" sz="1200" b="0" i="0" u="none" strike="noStrike" kern="1200" cap="none" spc="0" normalizeH="0" baseline="0" noProof="0" dirty="0">
-              <a:ln>
-                <a:noFill/>
-              </a:ln>
-              <a:solidFill>
-                <a:srgbClr val="26C2F2"/>
-              </a:solidFill>
-              <a:effectLst/>
-              <a:uLnTx/>
-              <a:uFillTx/>
-              <a:latin typeface="맑은 고딕" pitchFamily="50" charset="-127"/>
-              <a:ea typeface="맑은 고딕" pitchFamily="50" charset="-127"/>
-              <a:cs typeface="+mn-cs"/>
-            </a:endParaRPr>
-          </a:p>
-        </p:txBody>
-      </p:sp>
-      <p:sp>
-        <p:nvSpPr>
-          <p:cNvPr id="10" name="TextBox 9">
-            <a:extLst>
-              <a:ext uri="{FF2B5EF4-FFF2-40B4-BE49-F238E27FC236}">
-                <a16:creationId xmlns:a16="http://schemas.microsoft.com/office/drawing/2014/main" id="{13BE12DD-F9B1-EAF5-C4B1-6B9A01C1D199}"/>
-              </a:ext>
-            </a:extLst>
-          </p:cNvPr>
-          <p:cNvSpPr txBox="1"/>
-          <p:nvPr/>
-        </p:nvSpPr>
-        <p:spPr>
-          <a:xfrm>
-            <a:off x="323850" y="5783005"/>
-            <a:ext cx="3244799" cy="369332"/>
-          </a:xfrm>
-          <a:prstGeom prst="rect">
-            <a:avLst/>
-          </a:prstGeom>
-          <a:noFill/>
-        </p:spPr>
-        <p:txBody>
-          <a:bodyPr wrap="none" rtlCol="0">
-            <a:spAutoFit/>
-          </a:bodyPr>
-          <a:lstStyle/>
-          <a:p>
-            <a:r>
-              <a:rPr lang="ko-KR" altLang="en-US" dirty="0">
-                <a:solidFill>
-                  <a:schemeClr val="bg1"/>
-                </a:solidFill>
-              </a:rPr>
-              <a:t>보스</a:t>
-            </a:r>
-            <a:r>
-              <a:rPr lang="en-US" altLang="ko-KR" dirty="0">
-                <a:solidFill>
-                  <a:schemeClr val="bg1"/>
-                </a:solidFill>
-              </a:rPr>
-              <a:t>2</a:t>
-            </a:r>
-            <a:r>
-              <a:rPr lang="ko-KR" altLang="en-US" dirty="0">
-                <a:solidFill>
-                  <a:schemeClr val="bg1"/>
-                </a:solidFill>
-              </a:rPr>
-              <a:t>가지 방식공격 스크립트</a:t>
-            </a:r>
-          </a:p>
-        </p:txBody>
-      </p:sp>
-      <p:pic>
-        <p:nvPicPr>
-          <p:cNvPr id="7" name="그림 6">
-            <a:extLst>
-              <a:ext uri="{FF2B5EF4-FFF2-40B4-BE49-F238E27FC236}">
-                <a16:creationId xmlns:a16="http://schemas.microsoft.com/office/drawing/2014/main" id="{B152FC45-7131-DD37-63C3-A1834541FBFB}"/>
-              </a:ext>
-            </a:extLst>
-          </p:cNvPr>
-          <p:cNvPicPr>
-            <a:picLocks noChangeAspect="1"/>
-          </p:cNvPicPr>
-          <p:nvPr/>
-        </p:nvPicPr>
-        <p:blipFill>
-          <a:blip r:embed="rId2"/>
-          <a:stretch>
-            <a:fillRect/>
-          </a:stretch>
-        </p:blipFill>
-        <p:spPr>
-          <a:xfrm>
-            <a:off x="323850" y="1286446"/>
-            <a:ext cx="5843040" cy="4303320"/>
-          </a:xfrm>
-          <a:prstGeom prst="rect">
-            <a:avLst/>
-          </a:prstGeom>
-        </p:spPr>
-      </p:pic>
-      <p:pic>
-        <p:nvPicPr>
-          <p:cNvPr id="11" name="그림 10">
-            <a:extLst>
-              <a:ext uri="{FF2B5EF4-FFF2-40B4-BE49-F238E27FC236}">
-                <a16:creationId xmlns:a16="http://schemas.microsoft.com/office/drawing/2014/main" id="{434A7EFF-2C6A-14C4-9927-76F45BB14DA2}"/>
-              </a:ext>
-            </a:extLst>
-          </p:cNvPr>
-          <p:cNvPicPr>
-            <a:picLocks noChangeAspect="1"/>
-          </p:cNvPicPr>
-          <p:nvPr/>
-        </p:nvPicPr>
-        <p:blipFill>
-          <a:blip r:embed="rId3"/>
-          <a:stretch>
-            <a:fillRect/>
-          </a:stretch>
-        </p:blipFill>
-        <p:spPr>
-          <a:xfrm>
-            <a:off x="4355976" y="1971922"/>
-            <a:ext cx="4284289" cy="3617844"/>
-          </a:xfrm>
-          <a:prstGeom prst="rect">
-            <a:avLst/>
-          </a:prstGeom>
-        </p:spPr>
-      </p:pic>
+            <a:endParaRPr lang="ko-KR" altLang="en-US"/>
+          </a:p>
+        </p:txBody>
+      </p:sp>
     </p:spTree>
     <p:extLst>
       <p:ext uri="{BB962C8B-B14F-4D97-AF65-F5344CB8AC3E}">
-        <p14:creationId xmlns:p14="http://schemas.microsoft.com/office/powerpoint/2010/main" val="2750159379"/>
+        <p14:creationId xmlns:p14="http://schemas.microsoft.com/office/powerpoint/2010/main" val="847169577"/>
       </p:ext>
     </p:extLst>
   </p:cSld>
@@ -5032,7 +6039,13 @@
       </p:grpSpPr>
       <p:sp>
         <p:nvSpPr>
-          <p:cNvPr id="2" name="텍스트 개체 틀 1"/>
+          <p:cNvPr id="2" name="텍스트 개체 틀 1">
+            <a:extLst>
+              <a:ext uri="{FF2B5EF4-FFF2-40B4-BE49-F238E27FC236}">
+                <a16:creationId xmlns:a16="http://schemas.microsoft.com/office/drawing/2014/main" id="{AD9A6E55-5A8C-18AB-8C42-760506294D76}"/>
+              </a:ext>
+            </a:extLst>
+          </p:cNvPr>
           <p:cNvSpPr>
             <a:spLocks noGrp="1"/>
           </p:cNvSpPr>
@@ -5046,16 +6059,21 @@
           <a:lstStyle/>
           <a:p>
             <a:r>
-              <a:rPr lang="en-US" altLang="ko-KR" dirty="0"/>
-              <a:t> </a:t>
-            </a:r>
-            <a:endParaRPr lang="ko-KR" altLang="en-US" dirty="0"/>
-          </a:p>
-        </p:txBody>
-      </p:sp>
-      <p:sp>
-        <p:nvSpPr>
-          <p:cNvPr id="3" name="제목 2"/>
+              <a:rPr lang="ko-KR" altLang="en-US" dirty="0"/>
+              <a:t>컨셉 및 테마</a:t>
+            </a:r>
+          </a:p>
+        </p:txBody>
+      </p:sp>
+      <p:sp>
+        <p:nvSpPr>
+          <p:cNvPr id="3" name="제목 2">
+            <a:extLst>
+              <a:ext uri="{FF2B5EF4-FFF2-40B4-BE49-F238E27FC236}">
+                <a16:creationId xmlns:a16="http://schemas.microsoft.com/office/drawing/2014/main" id="{BF834AC2-7C89-4742-015E-9B62A76B6038}"/>
+              </a:ext>
+            </a:extLst>
+          </p:cNvPr>
           <p:cNvSpPr>
             <a:spLocks noGrp="1"/>
           </p:cNvSpPr>
@@ -5068,11 +6086,443 @@
           <a:bodyPr/>
           <a:lstStyle/>
           <a:p>
-            <a:endParaRPr lang="ko-KR" altLang="en-US"/>
+            <a:r>
+              <a:rPr lang="en-US" altLang="ko-KR" dirty="0"/>
+              <a:t>2. </a:t>
+            </a:r>
+            <a:r>
+              <a:rPr lang="ko-KR" altLang="en-US" dirty="0"/>
+              <a:t>컨셉 및 테마</a:t>
+            </a:r>
           </a:p>
         </p:txBody>
       </p:sp>
     </p:spTree>
+    <p:extLst>
+      <p:ext uri="{BB962C8B-B14F-4D97-AF65-F5344CB8AC3E}">
+        <p14:creationId xmlns:p14="http://schemas.microsoft.com/office/powerpoint/2010/main" val="3163211016"/>
+      </p:ext>
+    </p:extLst>
+  </p:cSld>
+  <p:clrMapOvr>
+    <a:masterClrMapping/>
+  </p:clrMapOvr>
+</p:sld>
+</file>
+
+<file path=ppt/slides/slide7.xml><?xml version="1.0" encoding="utf-8"?>
+<p:sld xmlns:a="http://schemas.openxmlformats.org/drawingml/2006/main" xmlns:r="http://schemas.openxmlformats.org/officeDocument/2006/relationships" xmlns:p="http://schemas.openxmlformats.org/presentationml/2006/main">
+  <p:cSld>
+    <p:spTree>
+      <p:nvGrpSpPr>
+        <p:cNvPr id="1" name=""/>
+        <p:cNvGrpSpPr/>
+        <p:nvPr/>
+      </p:nvGrpSpPr>
+      <p:grpSpPr>
+        <a:xfrm>
+          <a:off x="0" y="0"/>
+          <a:ext cx="0" cy="0"/>
+          <a:chOff x="0" y="0"/>
+          <a:chExt cx="0" cy="0"/>
+        </a:xfrm>
+      </p:grpSpPr>
+      <p:sp>
+        <p:nvSpPr>
+          <p:cNvPr id="2" name="텍스트 개체 틀 1">
+            <a:extLst>
+              <a:ext uri="{FF2B5EF4-FFF2-40B4-BE49-F238E27FC236}">
+                <a16:creationId xmlns:a16="http://schemas.microsoft.com/office/drawing/2014/main" id="{58E65347-2028-5EA7-2AF9-65DD39139837}"/>
+              </a:ext>
+            </a:extLst>
+          </p:cNvPr>
+          <p:cNvSpPr>
+            <a:spLocks noGrp="1"/>
+          </p:cNvSpPr>
+          <p:nvPr>
+            <p:ph type="body" sz="quarter" idx="10"/>
+          </p:nvPr>
+        </p:nvSpPr>
+        <p:spPr/>
+        <p:txBody>
+          <a:bodyPr/>
+          <a:lstStyle/>
+          <a:p>
+            <a:r>
+              <a:rPr lang="en-US" altLang="ko-KR" dirty="0"/>
+              <a:t>2. </a:t>
+            </a:r>
+            <a:r>
+              <a:rPr lang="ko-KR" altLang="en-US" dirty="0"/>
+              <a:t>컨셉 및 테마</a:t>
+            </a:r>
+          </a:p>
+        </p:txBody>
+      </p:sp>
+      <p:sp>
+        <p:nvSpPr>
+          <p:cNvPr id="4" name="내용 개체 틀 3">
+            <a:extLst>
+              <a:ext uri="{FF2B5EF4-FFF2-40B4-BE49-F238E27FC236}">
+                <a16:creationId xmlns:a16="http://schemas.microsoft.com/office/drawing/2014/main" id="{ACDBA2BC-4883-522E-00F7-D5C01938EFFA}"/>
+              </a:ext>
+            </a:extLst>
+          </p:cNvPr>
+          <p:cNvSpPr>
+            <a:spLocks noGrp="1"/>
+          </p:cNvSpPr>
+          <p:nvPr>
+            <p:ph idx="1"/>
+          </p:nvPr>
+        </p:nvSpPr>
+        <p:spPr/>
+        <p:txBody>
+          <a:bodyPr>
+            <a:normAutofit/>
+          </a:bodyPr>
+          <a:lstStyle/>
+          <a:p>
+            <a:pPr>
+              <a:lnSpc>
+                <a:spcPct val="150000"/>
+              </a:lnSpc>
+            </a:pPr>
+            <a:r>
+              <a:rPr lang="ko-KR" altLang="en-US" sz="1800" dirty="0">
+                <a:solidFill>
+                  <a:schemeClr val="bg1"/>
+                </a:solidFill>
+              </a:rPr>
+              <a:t>뭔가 </a:t>
+            </a:r>
+            <a:r>
+              <a:rPr lang="ko-KR" altLang="en-US" sz="1800" dirty="0" err="1">
+                <a:solidFill>
+                  <a:schemeClr val="bg1"/>
+                </a:solidFill>
+              </a:rPr>
+              <a:t>멍청한애를</a:t>
+            </a:r>
+            <a:r>
+              <a:rPr lang="ko-KR" altLang="en-US" sz="1800" dirty="0">
+                <a:solidFill>
+                  <a:schemeClr val="bg1"/>
+                </a:solidFill>
+              </a:rPr>
+              <a:t> 교육을 시킴으로써 점점 </a:t>
+            </a:r>
+            <a:r>
+              <a:rPr lang="ko-KR" altLang="en-US" sz="1800" dirty="0" err="1">
+                <a:solidFill>
+                  <a:schemeClr val="bg1"/>
+                </a:solidFill>
+              </a:rPr>
+              <a:t>발전되는걸</a:t>
+            </a:r>
+            <a:r>
+              <a:rPr lang="ko-KR" altLang="en-US" sz="1800" dirty="0">
+                <a:solidFill>
+                  <a:schemeClr val="bg1"/>
+                </a:solidFill>
+              </a:rPr>
+              <a:t> 눈으로 </a:t>
+            </a:r>
+            <a:r>
+              <a:rPr lang="ko-KR" altLang="en-US" sz="1800" dirty="0" err="1">
+                <a:solidFill>
+                  <a:schemeClr val="bg1"/>
+                </a:solidFill>
+              </a:rPr>
+              <a:t>확인할수</a:t>
+            </a:r>
+            <a:r>
+              <a:rPr lang="ko-KR" altLang="en-US" sz="1800" dirty="0">
+                <a:solidFill>
+                  <a:schemeClr val="bg1"/>
+                </a:solidFill>
+              </a:rPr>
+              <a:t> 있는 것 여기서 재미를 느꼈음</a:t>
+            </a:r>
+            <a:r>
+              <a:rPr lang="en-US" altLang="ko-KR" sz="1800" dirty="0">
+                <a:solidFill>
+                  <a:schemeClr val="bg1"/>
+                </a:solidFill>
+              </a:rPr>
+              <a:t>.</a:t>
+            </a:r>
+          </a:p>
+          <a:p>
+            <a:pPr>
+              <a:lnSpc>
+                <a:spcPct val="150000"/>
+              </a:lnSpc>
+            </a:pPr>
+            <a:endParaRPr lang="ko-KR" altLang="en-US" sz="1800" dirty="0">
+              <a:solidFill>
+                <a:schemeClr val="bg1"/>
+              </a:solidFill>
+            </a:endParaRPr>
+          </a:p>
+          <a:p>
+            <a:pPr>
+              <a:lnSpc>
+                <a:spcPct val="150000"/>
+              </a:lnSpc>
+            </a:pPr>
+            <a:r>
+              <a:rPr lang="ko-KR" altLang="en-US" sz="1800" dirty="0">
+                <a:solidFill>
+                  <a:schemeClr val="bg1"/>
+                </a:solidFill>
+              </a:rPr>
+              <a:t>이걸 사용자(플레이어)가 느낄 수 있게 하는게 목표</a:t>
+            </a:r>
+            <a:endParaRPr lang="en-US" altLang="ko-KR" sz="1800" dirty="0">
+              <a:solidFill>
+                <a:schemeClr val="bg1"/>
+              </a:solidFill>
+            </a:endParaRPr>
+          </a:p>
+          <a:p>
+            <a:pPr>
+              <a:lnSpc>
+                <a:spcPct val="150000"/>
+              </a:lnSpc>
+            </a:pPr>
+            <a:r>
+              <a:rPr lang="ko-KR" altLang="en-US" sz="1800" dirty="0">
+                <a:solidFill>
+                  <a:schemeClr val="bg1"/>
+                </a:solidFill>
+              </a:rPr>
+              <a:t>교육할 수 있는 환경을 제공한다.</a:t>
+            </a:r>
+            <a:endParaRPr lang="en-US" altLang="ko-KR" sz="1800" dirty="0">
+              <a:solidFill>
+                <a:schemeClr val="bg1"/>
+              </a:solidFill>
+            </a:endParaRPr>
+          </a:p>
+          <a:p>
+            <a:pPr>
+              <a:lnSpc>
+                <a:spcPct val="150000"/>
+              </a:lnSpc>
+            </a:pPr>
+            <a:endParaRPr lang="en-US" altLang="ko-KR" sz="1800" dirty="0"/>
+          </a:p>
+          <a:p>
+            <a:pPr>
+              <a:lnSpc>
+                <a:spcPct val="150000"/>
+              </a:lnSpc>
+            </a:pPr>
+            <a:r>
+              <a:rPr lang="ko-KR" altLang="en-US" sz="1800" dirty="0">
+                <a:solidFill>
+                  <a:schemeClr val="bg1"/>
+                </a:solidFill>
+              </a:rPr>
+              <a:t>시뮬레이션 테마</a:t>
+            </a:r>
+          </a:p>
+          <a:p>
+            <a:endParaRPr lang="ko-KR" altLang="en-US" sz="1800" dirty="0"/>
+          </a:p>
+        </p:txBody>
+      </p:sp>
+    </p:spTree>
+    <p:extLst>
+      <p:ext uri="{BB962C8B-B14F-4D97-AF65-F5344CB8AC3E}">
+        <p14:creationId xmlns:p14="http://schemas.microsoft.com/office/powerpoint/2010/main" val="3203866916"/>
+      </p:ext>
+    </p:extLst>
+  </p:cSld>
+  <p:clrMapOvr>
+    <a:masterClrMapping/>
+  </p:clrMapOvr>
+</p:sld>
+</file>
+
+<file path=ppt/slides/slide8.xml><?xml version="1.0" encoding="utf-8"?>
+<p:sld xmlns:a="http://schemas.openxmlformats.org/drawingml/2006/main" xmlns:r="http://schemas.openxmlformats.org/officeDocument/2006/relationships" xmlns:p="http://schemas.openxmlformats.org/presentationml/2006/main">
+  <p:cSld>
+    <p:spTree>
+      <p:nvGrpSpPr>
+        <p:cNvPr id="1" name=""/>
+        <p:cNvGrpSpPr/>
+        <p:nvPr/>
+      </p:nvGrpSpPr>
+      <p:grpSpPr>
+        <a:xfrm>
+          <a:off x="0" y="0"/>
+          <a:ext cx="0" cy="0"/>
+          <a:chOff x="0" y="0"/>
+          <a:chExt cx="0" cy="0"/>
+        </a:xfrm>
+      </p:grpSpPr>
+      <p:sp>
+        <p:nvSpPr>
+          <p:cNvPr id="2" name="텍스트 개체 틀 1">
+            <a:extLst>
+              <a:ext uri="{FF2B5EF4-FFF2-40B4-BE49-F238E27FC236}">
+                <a16:creationId xmlns:a16="http://schemas.microsoft.com/office/drawing/2014/main" id="{EC4CB25F-3D4E-05B8-6DEC-B71EB3B55B16}"/>
+              </a:ext>
+            </a:extLst>
+          </p:cNvPr>
+          <p:cNvSpPr>
+            <a:spLocks noGrp="1"/>
+          </p:cNvSpPr>
+          <p:nvPr>
+            <p:ph type="body" sz="quarter" idx="10"/>
+          </p:nvPr>
+        </p:nvSpPr>
+        <p:spPr/>
+        <p:txBody>
+          <a:bodyPr/>
+          <a:lstStyle/>
+          <a:p>
+            <a:r>
+              <a:rPr lang="ko-KR" altLang="en-US" dirty="0"/>
+              <a:t>재미 요소</a:t>
+            </a:r>
+          </a:p>
+        </p:txBody>
+      </p:sp>
+      <p:sp>
+        <p:nvSpPr>
+          <p:cNvPr id="3" name="제목 2">
+            <a:extLst>
+              <a:ext uri="{FF2B5EF4-FFF2-40B4-BE49-F238E27FC236}">
+                <a16:creationId xmlns:a16="http://schemas.microsoft.com/office/drawing/2014/main" id="{D24DFDF5-4ED5-6EE7-C02C-3C229B7EFB98}"/>
+              </a:ext>
+            </a:extLst>
+          </p:cNvPr>
+          <p:cNvSpPr>
+            <a:spLocks noGrp="1"/>
+          </p:cNvSpPr>
+          <p:nvPr>
+            <p:ph type="title"/>
+          </p:nvPr>
+        </p:nvSpPr>
+        <p:spPr/>
+        <p:txBody>
+          <a:bodyPr/>
+          <a:lstStyle/>
+          <a:p>
+            <a:r>
+              <a:rPr lang="en-US" altLang="ko-KR" dirty="0"/>
+              <a:t>4. </a:t>
+            </a:r>
+            <a:r>
+              <a:rPr lang="ko-KR" altLang="en-US" dirty="0"/>
+              <a:t>재미 요소</a:t>
+            </a:r>
+          </a:p>
+        </p:txBody>
+      </p:sp>
+    </p:spTree>
+    <p:extLst>
+      <p:ext uri="{BB962C8B-B14F-4D97-AF65-F5344CB8AC3E}">
+        <p14:creationId xmlns:p14="http://schemas.microsoft.com/office/powerpoint/2010/main" val="317470258"/>
+      </p:ext>
+    </p:extLst>
+  </p:cSld>
+  <p:clrMapOvr>
+    <a:masterClrMapping/>
+  </p:clrMapOvr>
+</p:sld>
+</file>
+
+<file path=ppt/slides/slide9.xml><?xml version="1.0" encoding="utf-8"?>
+<p:sld xmlns:a="http://schemas.openxmlformats.org/drawingml/2006/main" xmlns:r="http://schemas.openxmlformats.org/officeDocument/2006/relationships" xmlns:p="http://schemas.openxmlformats.org/presentationml/2006/main">
+  <p:cSld>
+    <p:spTree>
+      <p:nvGrpSpPr>
+        <p:cNvPr id="1" name=""/>
+        <p:cNvGrpSpPr/>
+        <p:nvPr/>
+      </p:nvGrpSpPr>
+      <p:grpSpPr>
+        <a:xfrm>
+          <a:off x="0" y="0"/>
+          <a:ext cx="0" cy="0"/>
+          <a:chOff x="0" y="0"/>
+          <a:chExt cx="0" cy="0"/>
+        </a:xfrm>
+      </p:grpSpPr>
+      <p:sp>
+        <p:nvSpPr>
+          <p:cNvPr id="2" name="텍스트 개체 틀 1">
+            <a:extLst>
+              <a:ext uri="{FF2B5EF4-FFF2-40B4-BE49-F238E27FC236}">
+                <a16:creationId xmlns:a16="http://schemas.microsoft.com/office/drawing/2014/main" id="{CDFDC029-D95F-AA63-B57B-900E9071F477}"/>
+              </a:ext>
+            </a:extLst>
+          </p:cNvPr>
+          <p:cNvSpPr>
+            <a:spLocks noGrp="1"/>
+          </p:cNvSpPr>
+          <p:nvPr>
+            <p:ph type="body" sz="quarter" idx="10"/>
+          </p:nvPr>
+        </p:nvSpPr>
+        <p:spPr/>
+        <p:txBody>
+          <a:bodyPr/>
+          <a:lstStyle/>
+          <a:p>
+            <a:r>
+              <a:rPr lang="en-US" altLang="ko-KR" dirty="0"/>
+              <a:t>4. </a:t>
+            </a:r>
+            <a:r>
+              <a:rPr lang="ko-KR" altLang="en-US" dirty="0"/>
+              <a:t>재미요소</a:t>
+            </a:r>
+          </a:p>
+          <a:p>
+            <a:endParaRPr lang="ko-KR" altLang="en-US" dirty="0"/>
+          </a:p>
+        </p:txBody>
+      </p:sp>
+      <p:sp>
+        <p:nvSpPr>
+          <p:cNvPr id="4" name="내용 개체 틀 3">
+            <a:extLst>
+              <a:ext uri="{FF2B5EF4-FFF2-40B4-BE49-F238E27FC236}">
+                <a16:creationId xmlns:a16="http://schemas.microsoft.com/office/drawing/2014/main" id="{122E84AE-105E-BDA9-4E73-BE03DE96119B}"/>
+              </a:ext>
+            </a:extLst>
+          </p:cNvPr>
+          <p:cNvSpPr>
+            <a:spLocks noGrp="1"/>
+          </p:cNvSpPr>
+          <p:nvPr>
+            <p:ph idx="1"/>
+          </p:nvPr>
+        </p:nvSpPr>
+        <p:spPr/>
+        <p:txBody>
+          <a:bodyPr>
+            <a:normAutofit/>
+          </a:bodyPr>
+          <a:lstStyle/>
+          <a:p>
+            <a:r>
+              <a:rPr lang="ko-KR" altLang="en-US" sz="2400" dirty="0"/>
+              <a:t>교육을 직접 시켜본다</a:t>
+            </a:r>
+          </a:p>
+        </p:txBody>
+      </p:sp>
+    </p:spTree>
+    <p:extLst>
+      <p:ext uri="{BB962C8B-B14F-4D97-AF65-F5344CB8AC3E}">
+        <p14:creationId xmlns:p14="http://schemas.microsoft.com/office/powerpoint/2010/main" val="465140841"/>
+      </p:ext>
+    </p:extLst>
   </p:cSld>
   <p:clrMapOvr>
     <a:masterClrMapping/>
@@ -5646,4 +7096,299 @@
   <a:objectDefaults/>
   <a:extraClrSchemeLst/>
 </a:theme>
+</file>
+
+<file path=ppt/theme/theme3.xml><?xml version="1.0" encoding="utf-8"?>
+<a:theme xmlns:a="http://schemas.openxmlformats.org/drawingml/2006/main" name="Office 테마">
+  <a:themeElements>
+    <a:clrScheme name="Office">
+      <a:dk1>
+        <a:sysClr val="windowText" lastClr="000000"/>
+      </a:dk1>
+      <a:lt1>
+        <a:sysClr val="window" lastClr="FFFFFF"/>
+      </a:lt1>
+      <a:dk2>
+        <a:srgbClr val="44546A"/>
+      </a:dk2>
+      <a:lt2>
+        <a:srgbClr val="E7E6E6"/>
+      </a:lt2>
+      <a:accent1>
+        <a:srgbClr val="4472C4"/>
+      </a:accent1>
+      <a:accent2>
+        <a:srgbClr val="ED7D31"/>
+      </a:accent2>
+      <a:accent3>
+        <a:srgbClr val="A5A5A5"/>
+      </a:accent3>
+      <a:accent4>
+        <a:srgbClr val="FFC000"/>
+      </a:accent4>
+      <a:accent5>
+        <a:srgbClr val="5B9BD5"/>
+      </a:accent5>
+      <a:accent6>
+        <a:srgbClr val="70AD47"/>
+      </a:accent6>
+      <a:hlink>
+        <a:srgbClr val="0563C1"/>
+      </a:hlink>
+      <a:folHlink>
+        <a:srgbClr val="954F72"/>
+      </a:folHlink>
+    </a:clrScheme>
+    <a:fontScheme name="Office">
+      <a:majorFont>
+        <a:latin typeface="맑은 고딕" panose="020F0302020204030204"/>
+        <a:ea typeface=""/>
+        <a:cs typeface=""/>
+        <a:font script="Jpan" typeface="游ゴシック Light"/>
+        <a:font script="Hang" typeface="맑은 고딕"/>
+        <a:font script="Hans" typeface="等线 Light"/>
+        <a:font script="Hant" typeface="新細明體"/>
+        <a:font script="Arab" typeface="Times New Roman"/>
+        <a:font script="Hebr" typeface="Times New Roman"/>
+        <a:font script="Thai" typeface="Angsana New"/>
+        <a:font script="Ethi" typeface="Nyala"/>
+        <a:font script="Beng" typeface="Vrinda"/>
+        <a:font script="Gujr" typeface="Shruti"/>
+        <a:font script="Khmr" typeface="MoolBoran"/>
+        <a:font script="Knda" typeface="Tunga"/>
+        <a:font script="Guru" typeface="Raavi"/>
+        <a:font script="Cans" typeface="Euphemia"/>
+        <a:font script="Cher" typeface="Plantagenet Cherokee"/>
+        <a:font script="Yiii" typeface="Microsoft Yi Baiti"/>
+        <a:font script="Tibt" typeface="Microsoft Himalaya"/>
+        <a:font script="Thaa" typeface="MV Boli"/>
+        <a:font script="Deva" typeface="Mangal"/>
+        <a:font script="Telu" typeface="Gautami"/>
+        <a:font script="Taml" typeface="Latha"/>
+        <a:font script="Syrc" typeface="Estrangelo Edessa"/>
+        <a:font script="Orya" typeface="Kalinga"/>
+        <a:font script="Mlym" typeface="Kartika"/>
+        <a:font script="Laoo" typeface="DokChampa"/>
+        <a:font script="Sinh" typeface="Iskoola Pota"/>
+        <a:font script="Mong" typeface="Mongolian Baiti"/>
+        <a:font script="Viet" typeface="Times New Roman"/>
+        <a:font script="Uigh" typeface="Microsoft Uighur"/>
+        <a:font script="Geor" typeface="Sylfaen"/>
+        <a:font script="Armn" typeface="Arial"/>
+        <a:font script="Bugi" typeface="Leelawadee UI"/>
+        <a:font script="Bopo" typeface="Microsoft JhengHei"/>
+        <a:font script="Java" typeface="Javanese Text"/>
+        <a:font script="Lisu" typeface="Segoe UI"/>
+        <a:font script="Mymr" typeface="Myanmar Text"/>
+        <a:font script="Nkoo" typeface="Ebrima"/>
+        <a:font script="Olck" typeface="Nirmala UI"/>
+        <a:font script="Osma" typeface="Ebrima"/>
+        <a:font script="Phag" typeface="Phagspa"/>
+        <a:font script="Syrn" typeface="Estrangelo Edessa"/>
+        <a:font script="Syrj" typeface="Estrangelo Edessa"/>
+        <a:font script="Syre" typeface="Estrangelo Edessa"/>
+        <a:font script="Sora" typeface="Nirmala UI"/>
+        <a:font script="Tale" typeface="Microsoft Tai Le"/>
+        <a:font script="Talu" typeface="Microsoft New Tai Lue"/>
+        <a:font script="Tfng" typeface="Ebrima"/>
+      </a:majorFont>
+      <a:minorFont>
+        <a:latin typeface="맑은 고딕" panose="020F0502020204030204"/>
+        <a:ea typeface=""/>
+        <a:cs typeface=""/>
+        <a:font script="Jpan" typeface="游ゴシック"/>
+        <a:font script="Hang" typeface="맑은 고딕"/>
+        <a:font script="Hans" typeface="等线"/>
+        <a:font script="Hant" typeface="新細明體"/>
+        <a:font script="Arab" typeface="Arial"/>
+        <a:font script="Hebr" typeface="Arial"/>
+        <a:font script="Thai" typeface="Cordia New"/>
+        <a:font script="Ethi" typeface="Nyala"/>
+        <a:font script="Beng" typeface="Vrinda"/>
+        <a:font script="Gujr" typeface="Shruti"/>
+        <a:font script="Khmr" typeface="DaunPenh"/>
+        <a:font script="Knda" typeface="Tunga"/>
+        <a:font script="Guru" typeface="Raavi"/>
+        <a:font script="Cans" typeface="Euphemia"/>
+        <a:font script="Cher" typeface="Plantagenet Cherokee"/>
+        <a:font script="Yiii" typeface="Microsoft Yi Baiti"/>
+        <a:font script="Tibt" typeface="Microsoft Himalaya"/>
+        <a:font script="Thaa" typeface="MV Boli"/>
+        <a:font script="Deva" typeface="Mangal"/>
+        <a:font script="Telu" typeface="Gautami"/>
+        <a:font script="Taml" typeface="Latha"/>
+        <a:font script="Syrc" typeface="Estrangelo Edessa"/>
+        <a:font script="Orya" typeface="Kalinga"/>
+        <a:font script="Mlym" typeface="Kartika"/>
+        <a:font script="Laoo" typeface="DokChampa"/>
+        <a:font script="Sinh" typeface="Iskoola Pota"/>
+        <a:font script="Mong" typeface="Mongolian Baiti"/>
+        <a:font script="Viet" typeface="Arial"/>
+        <a:font script="Uigh" typeface="Microsoft Uighur"/>
+        <a:font script="Geor" typeface="Sylfaen"/>
+        <a:font script="Armn" typeface="Arial"/>
+        <a:font script="Bugi" typeface="Leelawadee UI"/>
+        <a:font script="Bopo" typeface="Microsoft JhengHei"/>
+        <a:font script="Java" typeface="Javanese Text"/>
+        <a:font script="Lisu" typeface="Segoe UI"/>
+        <a:font script="Mymr" typeface="Myanmar Text"/>
+        <a:font script="Nkoo" typeface="Ebrima"/>
+        <a:font script="Olck" typeface="Nirmala UI"/>
+        <a:font script="Osma" typeface="Ebrima"/>
+        <a:font script="Phag" typeface="Phagspa"/>
+        <a:font script="Syrn" typeface="Estrangelo Edessa"/>
+        <a:font script="Syrj" typeface="Estrangelo Edessa"/>
+        <a:font script="Syre" typeface="Estrangelo Edessa"/>
+        <a:font script="Sora" typeface="Nirmala UI"/>
+        <a:font script="Tale" typeface="Microsoft Tai Le"/>
+        <a:font script="Talu" typeface="Microsoft New Tai Lue"/>
+        <a:font script="Tfng" typeface="Ebrima"/>
+      </a:minorFont>
+    </a:fontScheme>
+    <a:fmtScheme name="Office">
+      <a:fillStyleLst>
+        <a:solidFill>
+          <a:schemeClr val="phClr"/>
+        </a:solidFill>
+        <a:gradFill rotWithShape="1">
+          <a:gsLst>
+            <a:gs pos="0">
+              <a:schemeClr val="phClr">
+                <a:lumMod val="110000"/>
+                <a:satMod val="105000"/>
+                <a:tint val="67000"/>
+              </a:schemeClr>
+            </a:gs>
+            <a:gs pos="50000">
+              <a:schemeClr val="phClr">
+                <a:lumMod val="105000"/>
+                <a:satMod val="103000"/>
+                <a:tint val="73000"/>
+              </a:schemeClr>
+            </a:gs>
+            <a:gs pos="100000">
+              <a:schemeClr val="phClr">
+                <a:lumMod val="105000"/>
+                <a:satMod val="109000"/>
+                <a:tint val="81000"/>
+              </a:schemeClr>
+            </a:gs>
+          </a:gsLst>
+          <a:lin ang="5400000" scaled="0"/>
+        </a:gradFill>
+        <a:gradFill rotWithShape="1">
+          <a:gsLst>
+            <a:gs pos="0">
+              <a:schemeClr val="phClr">
+                <a:satMod val="103000"/>
+                <a:lumMod val="102000"/>
+                <a:tint val="94000"/>
+              </a:schemeClr>
+            </a:gs>
+            <a:gs pos="50000">
+              <a:schemeClr val="phClr">
+                <a:satMod val="110000"/>
+                <a:lumMod val="100000"/>
+                <a:shade val="100000"/>
+              </a:schemeClr>
+            </a:gs>
+            <a:gs pos="100000">
+              <a:schemeClr val="phClr">
+                <a:lumMod val="99000"/>
+                <a:satMod val="120000"/>
+                <a:shade val="78000"/>
+              </a:schemeClr>
+            </a:gs>
+          </a:gsLst>
+          <a:lin ang="5400000" scaled="0"/>
+        </a:gradFill>
+      </a:fillStyleLst>
+      <a:lnStyleLst>
+        <a:ln w="6350" cap="flat" cmpd="sng" algn="ctr">
+          <a:solidFill>
+            <a:schemeClr val="phClr"/>
+          </a:solidFill>
+          <a:prstDash val="solid"/>
+          <a:miter lim="800000"/>
+        </a:ln>
+        <a:ln w="12700" cap="flat" cmpd="sng" algn="ctr">
+          <a:solidFill>
+            <a:schemeClr val="phClr"/>
+          </a:solidFill>
+          <a:prstDash val="solid"/>
+          <a:miter lim="800000"/>
+        </a:ln>
+        <a:ln w="19050" cap="flat" cmpd="sng" algn="ctr">
+          <a:solidFill>
+            <a:schemeClr val="phClr"/>
+          </a:solidFill>
+          <a:prstDash val="solid"/>
+          <a:miter lim="800000"/>
+        </a:ln>
+      </a:lnStyleLst>
+      <a:effectStyleLst>
+        <a:effectStyle>
+          <a:effectLst/>
+        </a:effectStyle>
+        <a:effectStyle>
+          <a:effectLst/>
+        </a:effectStyle>
+        <a:effectStyle>
+          <a:effectLst>
+            <a:outerShdw blurRad="57150" dist="19050" dir="5400000" algn="ctr" rotWithShape="0">
+              <a:srgbClr val="000000">
+                <a:alpha val="63000"/>
+              </a:srgbClr>
+            </a:outerShdw>
+          </a:effectLst>
+        </a:effectStyle>
+      </a:effectStyleLst>
+      <a:bgFillStyleLst>
+        <a:solidFill>
+          <a:schemeClr val="phClr"/>
+        </a:solidFill>
+        <a:solidFill>
+          <a:schemeClr val="phClr">
+            <a:tint val="95000"/>
+            <a:satMod val="170000"/>
+          </a:schemeClr>
+        </a:solidFill>
+        <a:gradFill rotWithShape="1">
+          <a:gsLst>
+            <a:gs pos="0">
+              <a:schemeClr val="phClr">
+                <a:tint val="93000"/>
+                <a:satMod val="150000"/>
+                <a:shade val="98000"/>
+                <a:lumMod val="102000"/>
+              </a:schemeClr>
+            </a:gs>
+            <a:gs pos="50000">
+              <a:schemeClr val="phClr">
+                <a:tint val="98000"/>
+                <a:satMod val="130000"/>
+                <a:shade val="90000"/>
+                <a:lumMod val="103000"/>
+              </a:schemeClr>
+            </a:gs>
+            <a:gs pos="100000">
+              <a:schemeClr val="phClr">
+                <a:shade val="63000"/>
+                <a:satMod val="120000"/>
+              </a:schemeClr>
+            </a:gs>
+          </a:gsLst>
+          <a:lin ang="5400000" scaled="0"/>
+        </a:gradFill>
+      </a:bgFillStyleLst>
+    </a:fmtScheme>
+  </a:themeElements>
+  <a:objectDefaults/>
+  <a:extraClrSchemeLst/>
+  <a:extLst>
+    <a:ext uri="{05A4C25C-085E-4340-85A3-A5531E510DB2}">
+      <thm15:themeFamily xmlns:thm15="http://schemas.microsoft.com/office/thememl/2012/main" name="Office Theme" id="{62F939B6-93AF-4DB8-9C6B-D6C7DFDC589F}" vid="{4A3C46E8-61CC-4603-A589-7422A47A8E4A}"/>
+    </a:ext>
+  </a:extLst>
+</a:theme>
 </file>